--- a/docs/HWA Presentation.pptx
+++ b/docs/HWA Presentation.pptx
@@ -6,18 +6,17 @@
   </p:sldMasterIdLst>
   <p:sldIdLst>
     <p:sldId id="256" r:id="rId2"/>
-    <p:sldId id="257" r:id="rId3"/>
-    <p:sldId id="258" r:id="rId4"/>
-    <p:sldId id="259" r:id="rId5"/>
-    <p:sldId id="260" r:id="rId6"/>
-    <p:sldId id="261" r:id="rId7"/>
-    <p:sldId id="262" r:id="rId8"/>
-    <p:sldId id="263" r:id="rId9"/>
-    <p:sldId id="266" r:id="rId10"/>
-    <p:sldId id="265" r:id="rId11"/>
-    <p:sldId id="267" r:id="rId12"/>
-    <p:sldId id="268" r:id="rId13"/>
-    <p:sldId id="269" r:id="rId14"/>
+    <p:sldId id="258" r:id="rId3"/>
+    <p:sldId id="259" r:id="rId4"/>
+    <p:sldId id="260" r:id="rId5"/>
+    <p:sldId id="261" r:id="rId6"/>
+    <p:sldId id="262" r:id="rId7"/>
+    <p:sldId id="263" r:id="rId8"/>
+    <p:sldId id="266" r:id="rId9"/>
+    <p:sldId id="265" r:id="rId10"/>
+    <p:sldId id="267" r:id="rId11"/>
+    <p:sldId id="268" r:id="rId12"/>
+    <p:sldId id="269" r:id="rId13"/>
   </p:sldIdLst>
   <p:sldSz cx="12192000" cy="6858000"/>
   <p:notesSz cx="6858000" cy="9144000"/>
@@ -116,6 +115,11 @@
       </a:defRPr>
     </a:lvl9pPr>
   </p:defaultTextStyle>
+  <p:extLst>
+    <p:ext uri="{EFAFB233-063F-42B5-8137-9DF3F51BA10A}">
+      <p15:sldGuideLst xmlns:p15="http://schemas.microsoft.com/office/powerpoint/2012/main"/>
+    </p:ext>
+  </p:extLst>
 </p:presentation>
 </file>
 
@@ -843,7 +847,7 @@
           <a:p>
             <a:fld id="{377F5830-938E-44EA-A744-1FEFFA37CDF5}" type="datetimeFigureOut">
               <a:rPr lang="en-GB" smtClean="0"/>
-              <a:t>15/11/2021</a:t>
+              <a:t>21/11/2021</a:t>
             </a:fld>
             <a:endParaRPr lang="en-GB"/>
           </a:p>
@@ -1094,7 +1098,7 @@
           <a:p>
             <a:fld id="{377F5830-938E-44EA-A744-1FEFFA37CDF5}" type="datetimeFigureOut">
               <a:rPr lang="en-GB" smtClean="0"/>
-              <a:t>15/11/2021</a:t>
+              <a:t>21/11/2021</a:t>
             </a:fld>
             <a:endParaRPr lang="en-GB"/>
           </a:p>
@@ -1408,7 +1412,7 @@
           <a:p>
             <a:fld id="{377F5830-938E-44EA-A744-1FEFFA37CDF5}" type="datetimeFigureOut">
               <a:rPr lang="en-GB" smtClean="0"/>
-              <a:t>15/11/2021</a:t>
+              <a:t>21/11/2021</a:t>
             </a:fld>
             <a:endParaRPr lang="en-GB"/>
           </a:p>
@@ -1735,7 +1739,7 @@
           <a:p>
             <a:fld id="{377F5830-938E-44EA-A744-1FEFFA37CDF5}" type="datetimeFigureOut">
               <a:rPr lang="en-GB" smtClean="0"/>
-              <a:t>15/11/2021</a:t>
+              <a:t>21/11/2021</a:t>
             </a:fld>
             <a:endParaRPr lang="en-GB"/>
           </a:p>
@@ -2049,7 +2053,7 @@
           <a:p>
             <a:fld id="{377F5830-938E-44EA-A744-1FEFFA37CDF5}" type="datetimeFigureOut">
               <a:rPr lang="en-GB" smtClean="0"/>
-              <a:t>15/11/2021</a:t>
+              <a:t>21/11/2021</a:t>
             </a:fld>
             <a:endParaRPr lang="en-GB"/>
           </a:p>
@@ -2436,7 +2440,7 @@
           <a:p>
             <a:fld id="{377F5830-938E-44EA-A744-1FEFFA37CDF5}" type="datetimeFigureOut">
               <a:rPr lang="en-GB" smtClean="0"/>
-              <a:t>15/11/2021</a:t>
+              <a:t>21/11/2021</a:t>
             </a:fld>
             <a:endParaRPr lang="en-GB"/>
           </a:p>
@@ -2606,7 +2610,7 @@
           <a:p>
             <a:fld id="{377F5830-938E-44EA-A744-1FEFFA37CDF5}" type="datetimeFigureOut">
               <a:rPr lang="en-GB" smtClean="0"/>
-              <a:t>15/11/2021</a:t>
+              <a:t>21/11/2021</a:t>
             </a:fld>
             <a:endParaRPr lang="en-GB"/>
           </a:p>
@@ -2786,7 +2790,7 @@
           <a:p>
             <a:fld id="{377F5830-938E-44EA-A744-1FEFFA37CDF5}" type="datetimeFigureOut">
               <a:rPr lang="en-GB" smtClean="0"/>
-              <a:t>15/11/2021</a:t>
+              <a:t>21/11/2021</a:t>
             </a:fld>
             <a:endParaRPr lang="en-GB"/>
           </a:p>
@@ -2962,7 +2966,7 @@
           <a:p>
             <a:fld id="{377F5830-938E-44EA-A744-1FEFFA37CDF5}" type="datetimeFigureOut">
               <a:rPr lang="en-GB" smtClean="0"/>
-              <a:t>15/11/2021</a:t>
+              <a:t>21/11/2021</a:t>
             </a:fld>
             <a:endParaRPr lang="en-GB"/>
           </a:p>
@@ -3209,7 +3213,7 @@
           <a:p>
             <a:fld id="{377F5830-938E-44EA-A744-1FEFFA37CDF5}" type="datetimeFigureOut">
               <a:rPr lang="en-GB" smtClean="0"/>
-              <a:t>15/11/2021</a:t>
+              <a:t>21/11/2021</a:t>
             </a:fld>
             <a:endParaRPr lang="en-GB"/>
           </a:p>
@@ -3441,7 +3445,7 @@
           <a:p>
             <a:fld id="{377F5830-938E-44EA-A744-1FEFFA37CDF5}" type="datetimeFigureOut">
               <a:rPr lang="en-GB" smtClean="0"/>
-              <a:t>15/11/2021</a:t>
+              <a:t>21/11/2021</a:t>
             </a:fld>
             <a:endParaRPr lang="en-GB"/>
           </a:p>
@@ -3815,7 +3819,7 @@
           <a:p>
             <a:fld id="{377F5830-938E-44EA-A744-1FEFFA37CDF5}" type="datetimeFigureOut">
               <a:rPr lang="en-GB" smtClean="0"/>
-              <a:t>15/11/2021</a:t>
+              <a:t>21/11/2021</a:t>
             </a:fld>
             <a:endParaRPr lang="en-GB"/>
           </a:p>
@@ -3938,7 +3942,7 @@
           <a:p>
             <a:fld id="{377F5830-938E-44EA-A744-1FEFFA37CDF5}" type="datetimeFigureOut">
               <a:rPr lang="en-GB" smtClean="0"/>
-              <a:t>15/11/2021</a:t>
+              <a:t>21/11/2021</a:t>
             </a:fld>
             <a:endParaRPr lang="en-GB"/>
           </a:p>
@@ -4033,7 +4037,7 @@
           <a:p>
             <a:fld id="{377F5830-938E-44EA-A744-1FEFFA37CDF5}" type="datetimeFigureOut">
               <a:rPr lang="en-GB" smtClean="0"/>
-              <a:t>15/11/2021</a:t>
+              <a:t>21/11/2021</a:t>
             </a:fld>
             <a:endParaRPr lang="en-GB"/>
           </a:p>
@@ -4288,7 +4292,7 @@
           <a:p>
             <a:fld id="{377F5830-938E-44EA-A744-1FEFFA37CDF5}" type="datetimeFigureOut">
               <a:rPr lang="en-GB" smtClean="0"/>
-              <a:t>15/11/2021</a:t>
+              <a:t>21/11/2021</a:t>
             </a:fld>
             <a:endParaRPr lang="en-GB"/>
           </a:p>
@@ -4551,7 +4555,7 @@
           <a:p>
             <a:fld id="{377F5830-938E-44EA-A744-1FEFFA37CDF5}" type="datetimeFigureOut">
               <a:rPr lang="en-GB" smtClean="0"/>
-              <a:t>15/11/2021</a:t>
+              <a:t>21/11/2021</a:t>
             </a:fld>
             <a:endParaRPr lang="en-GB"/>
           </a:p>
@@ -5296,7 +5300,7 @@
           <a:p>
             <a:fld id="{377F5830-938E-44EA-A744-1FEFFA37CDF5}" type="datetimeFigureOut">
               <a:rPr lang="en-GB" smtClean="0"/>
-              <a:t>15/11/2021</a:t>
+              <a:t>21/11/2021</a:t>
             </a:fld>
             <a:endParaRPr lang="en-GB"/>
           </a:p>
@@ -5919,7 +5923,7 @@
           <p:cNvPr id="2" name="Title 1">
             <a:extLst>
               <a:ext uri="{FF2B5EF4-FFF2-40B4-BE49-F238E27FC236}">
-                <a16:creationId xmlns:a16="http://schemas.microsoft.com/office/drawing/2014/main" id="{A502B3FE-D3CA-421C-9053-084ECE8B0CC2}"/>
+                <a16:creationId xmlns:a16="http://schemas.microsoft.com/office/drawing/2014/main" id="{E7154E85-6844-4C3A-A062-1704DF30EB7C}"/>
               </a:ext>
             </a:extLst>
           </p:cNvPr>
@@ -5937,17 +5941,17 @@
           <a:p>
             <a:r>
               <a:rPr lang="en-GB" dirty="0"/>
-              <a:t>Sprint Retrospective</a:t>
-            </a:r>
-          </a:p>
-        </p:txBody>
-      </p:sp>
-      <p:sp>
-        <p:nvSpPr>
-          <p:cNvPr id="3" name="Text Placeholder 2">
+              <a:t>Overall Conclusion</a:t>
+            </a:r>
+          </a:p>
+        </p:txBody>
+      </p:sp>
+      <p:sp>
+        <p:nvSpPr>
+          <p:cNvPr id="3" name="Content Placeholder 2">
             <a:extLst>
               <a:ext uri="{FF2B5EF4-FFF2-40B4-BE49-F238E27FC236}">
-                <a16:creationId xmlns:a16="http://schemas.microsoft.com/office/drawing/2014/main" id="{8922EF52-74FB-4E0B-9CCF-9E7DCEE65104}"/>
+                <a16:creationId xmlns:a16="http://schemas.microsoft.com/office/drawing/2014/main" id="{73288749-417B-4A76-8430-759B3F01A8FE}"/>
               </a:ext>
             </a:extLst>
           </p:cNvPr>
@@ -5955,103 +5959,66 @@
             <a:spLocks noGrp="1"/>
           </p:cNvSpPr>
           <p:nvPr>
-            <p:ph type="body" idx="1"/>
-          </p:nvPr>
-        </p:nvSpPr>
-        <p:spPr/>
-        <p:txBody>
-          <a:bodyPr/>
-          <a:lstStyle/>
-          <a:p>
-            <a:r>
-              <a:rPr lang="en-GB" dirty="0"/>
-              <a:t>What went well?</a:t>
-            </a:r>
-          </a:p>
-        </p:txBody>
-      </p:sp>
-      <p:sp>
-        <p:nvSpPr>
-          <p:cNvPr id="4" name="Content Placeholder 3">
-            <a:extLst>
-              <a:ext uri="{FF2B5EF4-FFF2-40B4-BE49-F238E27FC236}">
-                <a16:creationId xmlns:a16="http://schemas.microsoft.com/office/drawing/2014/main" id="{1414F4BA-B895-43F2-B05D-2937D50A6CC5}"/>
-              </a:ext>
-            </a:extLst>
-          </p:cNvPr>
-          <p:cNvSpPr>
-            <a:spLocks noGrp="1"/>
-          </p:cNvSpPr>
-          <p:nvPr>
-            <p:ph sz="half" idx="2"/>
-          </p:nvPr>
-        </p:nvSpPr>
-        <p:spPr/>
-        <p:txBody>
-          <a:bodyPr/>
-          <a:lstStyle/>
-          <a:p>
-            <a:endParaRPr lang="en-GB"/>
-          </a:p>
-        </p:txBody>
-      </p:sp>
-      <p:sp>
-        <p:nvSpPr>
-          <p:cNvPr id="5" name="Text Placeholder 4">
-            <a:extLst>
-              <a:ext uri="{FF2B5EF4-FFF2-40B4-BE49-F238E27FC236}">
-                <a16:creationId xmlns:a16="http://schemas.microsoft.com/office/drawing/2014/main" id="{4E1EB660-BE78-47DF-9044-8B5B6256FB61}"/>
-              </a:ext>
-            </a:extLst>
-          </p:cNvPr>
-          <p:cNvSpPr>
-            <a:spLocks noGrp="1"/>
-          </p:cNvSpPr>
-          <p:nvPr>
-            <p:ph type="body" sz="quarter" idx="3"/>
-          </p:nvPr>
-        </p:nvSpPr>
-        <p:spPr/>
-        <p:txBody>
-          <a:bodyPr/>
-          <a:lstStyle/>
-          <a:p>
-            <a:r>
-              <a:rPr lang="en-GB" dirty="0"/>
-              <a:t>What to do better next time?</a:t>
-            </a:r>
-          </a:p>
-        </p:txBody>
-      </p:sp>
-      <p:sp>
-        <p:nvSpPr>
-          <p:cNvPr id="6" name="Content Placeholder 5">
-            <a:extLst>
-              <a:ext uri="{FF2B5EF4-FFF2-40B4-BE49-F238E27FC236}">
-                <a16:creationId xmlns:a16="http://schemas.microsoft.com/office/drawing/2014/main" id="{44162BAA-41FF-4D26-8CE4-6A73DA260221}"/>
-              </a:ext>
-            </a:extLst>
-          </p:cNvPr>
-          <p:cNvSpPr>
-            <a:spLocks noGrp="1"/>
-          </p:cNvSpPr>
-          <p:nvPr>
-            <p:ph sz="quarter" idx="4"/>
-          </p:nvPr>
-        </p:nvSpPr>
-        <p:spPr/>
-        <p:txBody>
-          <a:bodyPr/>
-          <a:lstStyle/>
-          <a:p>
-            <a:endParaRPr lang="en-GB"/>
+            <p:ph idx="1"/>
+          </p:nvPr>
+        </p:nvSpPr>
+        <p:spPr/>
+        <p:txBody>
+          <a:bodyPr/>
+          <a:lstStyle/>
+          <a:p>
+            <a:r>
+              <a:rPr lang="en-GB" dirty="0">
+                <a:solidFill>
+                  <a:srgbClr val="00B0F0"/>
+                </a:solidFill>
+              </a:rPr>
+              <a:t>Big improvement from IMS (as far as using Git)</a:t>
+            </a:r>
+          </a:p>
+          <a:p>
+            <a:r>
+              <a:rPr lang="en-GB" dirty="0">
+                <a:solidFill>
+                  <a:srgbClr val="00B0F0"/>
+                </a:solidFill>
+              </a:rPr>
+              <a:t>Still could do a bit better</a:t>
+            </a:r>
+          </a:p>
+          <a:p>
+            <a:r>
+              <a:rPr lang="en-GB" dirty="0">
+                <a:solidFill>
+                  <a:srgbClr val="00B0F0"/>
+                </a:solidFill>
+              </a:rPr>
+              <a:t>Keep working on getting into a better habit of updating Jira and project work simultaneously</a:t>
+            </a:r>
+          </a:p>
+          <a:p>
+            <a:r>
+              <a:rPr lang="en-GB" dirty="0">
+                <a:solidFill>
+                  <a:srgbClr val="00B0F0"/>
+                </a:solidFill>
+              </a:rPr>
+              <a:t>Try to ask for help a bit more often instead of wasting a lot of time trying to do it myself</a:t>
+            </a:r>
+          </a:p>
+          <a:p>
+            <a:endParaRPr lang="en-GB" dirty="0">
+              <a:solidFill>
+                <a:srgbClr val="00B0F0"/>
+              </a:solidFill>
+            </a:endParaRPr>
           </a:p>
         </p:txBody>
       </p:sp>
     </p:spTree>
     <p:extLst>
       <p:ext uri="{BB962C8B-B14F-4D97-AF65-F5344CB8AC3E}">
-        <p14:creationId xmlns:p14="http://schemas.microsoft.com/office/powerpoint/2010/main" val="4112237101"/>
+        <p14:creationId xmlns:p14="http://schemas.microsoft.com/office/powerpoint/2010/main" val="783431808"/>
       </p:ext>
     </p:extLst>
   </p:cSld>
@@ -6083,89 +6050,6 @@
           <p:cNvPr id="2" name="Title 1">
             <a:extLst>
               <a:ext uri="{FF2B5EF4-FFF2-40B4-BE49-F238E27FC236}">
-                <a16:creationId xmlns:a16="http://schemas.microsoft.com/office/drawing/2014/main" id="{E7154E85-6844-4C3A-A062-1704DF30EB7C}"/>
-              </a:ext>
-            </a:extLst>
-          </p:cNvPr>
-          <p:cNvSpPr>
-            <a:spLocks noGrp="1"/>
-          </p:cNvSpPr>
-          <p:nvPr>
-            <p:ph type="title"/>
-          </p:nvPr>
-        </p:nvSpPr>
-        <p:spPr/>
-        <p:txBody>
-          <a:bodyPr/>
-          <a:lstStyle/>
-          <a:p>
-            <a:r>
-              <a:rPr lang="en-GB" dirty="0"/>
-              <a:t>Overall Conclusion</a:t>
-            </a:r>
-          </a:p>
-        </p:txBody>
-      </p:sp>
-      <p:sp>
-        <p:nvSpPr>
-          <p:cNvPr id="3" name="Content Placeholder 2">
-            <a:extLst>
-              <a:ext uri="{FF2B5EF4-FFF2-40B4-BE49-F238E27FC236}">
-                <a16:creationId xmlns:a16="http://schemas.microsoft.com/office/drawing/2014/main" id="{73288749-417B-4A76-8430-759B3F01A8FE}"/>
-              </a:ext>
-            </a:extLst>
-          </p:cNvPr>
-          <p:cNvSpPr>
-            <a:spLocks noGrp="1"/>
-          </p:cNvSpPr>
-          <p:nvPr>
-            <p:ph idx="1"/>
-          </p:nvPr>
-        </p:nvSpPr>
-        <p:spPr/>
-        <p:txBody>
-          <a:bodyPr/>
-          <a:lstStyle/>
-          <a:p>
-            <a:endParaRPr lang="en-GB"/>
-          </a:p>
-        </p:txBody>
-      </p:sp>
-    </p:spTree>
-    <p:extLst>
-      <p:ext uri="{BB962C8B-B14F-4D97-AF65-F5344CB8AC3E}">
-        <p14:creationId xmlns:p14="http://schemas.microsoft.com/office/powerpoint/2010/main" val="783431808"/>
-      </p:ext>
-    </p:extLst>
-  </p:cSld>
-  <p:clrMapOvr>
-    <a:masterClrMapping/>
-  </p:clrMapOvr>
-</p:sld>
-</file>
-
-<file path=ppt/slides/slide12.xml><?xml version="1.0" encoding="utf-8"?>
-<p:sld xmlns:a="http://schemas.openxmlformats.org/drawingml/2006/main" xmlns:r="http://schemas.openxmlformats.org/officeDocument/2006/relationships" xmlns:p="http://schemas.openxmlformats.org/presentationml/2006/main">
-  <p:cSld>
-    <p:spTree>
-      <p:nvGrpSpPr>
-        <p:cNvPr id="1" name=""/>
-        <p:cNvGrpSpPr/>
-        <p:nvPr/>
-      </p:nvGrpSpPr>
-      <p:grpSpPr>
-        <a:xfrm>
-          <a:off x="0" y="0"/>
-          <a:ext cx="0" cy="0"/>
-          <a:chOff x="0" y="0"/>
-          <a:chExt cx="0" cy="0"/>
-        </a:xfrm>
-      </p:grpSpPr>
-      <p:sp>
-        <p:nvSpPr>
-          <p:cNvPr id="2" name="Title 1">
-            <a:extLst>
-              <a:ext uri="{FF2B5EF4-FFF2-40B4-BE49-F238E27FC236}">
                 <a16:creationId xmlns:a16="http://schemas.microsoft.com/office/drawing/2014/main" id="{AC0FCDC8-5B72-4F98-998E-16017915BBC6}"/>
               </a:ext>
             </a:extLst>
@@ -6227,7 +6111,7 @@
 </p:sld>
 </file>
 
-<file path=ppt/slides/slide13.xml><?xml version="1.0" encoding="utf-8"?>
+<file path=ppt/slides/slide12.xml><?xml version="1.0" encoding="utf-8"?>
 <p:sld xmlns:a="http://schemas.openxmlformats.org/drawingml/2006/main" xmlns:r="http://schemas.openxmlformats.org/officeDocument/2006/relationships" xmlns:p="http://schemas.openxmlformats.org/presentationml/2006/main">
   <p:cSld>
     <p:spTree>
@@ -6307,7 +6191,7 @@
           <p:cNvPr id="2" name="Title 1">
             <a:extLst>
               <a:ext uri="{FF2B5EF4-FFF2-40B4-BE49-F238E27FC236}">
-                <a16:creationId xmlns:a16="http://schemas.microsoft.com/office/drawing/2014/main" id="{692AC99C-39C7-464C-A4A1-16C362DA99F5}"/>
+                <a16:creationId xmlns:a16="http://schemas.microsoft.com/office/drawing/2014/main" id="{3EF2D52B-25E3-4153-A5CE-F466449529AB}"/>
               </a:ext>
             </a:extLst>
           </p:cNvPr>
@@ -6325,7 +6209,7 @@
           <a:p>
             <a:r>
               <a:rPr lang="en-GB" dirty="0"/>
-              <a:t>Introduction</a:t>
+              <a:t>Initial Approach to the Project</a:t>
             </a:r>
           </a:p>
         </p:txBody>
@@ -6335,7 +6219,7 @@
           <p:cNvPr id="3" name="Content Placeholder 2">
             <a:extLst>
               <a:ext uri="{FF2B5EF4-FFF2-40B4-BE49-F238E27FC236}">
-                <a16:creationId xmlns:a16="http://schemas.microsoft.com/office/drawing/2014/main" id="{DD7CC2F4-12EE-4BCA-8ED1-DDDBE8A7B4FE}"/>
+                <a16:creationId xmlns:a16="http://schemas.microsoft.com/office/drawing/2014/main" id="{F3F8B456-249E-4AE5-A63F-964F2F1B2102}"/>
               </a:ext>
             </a:extLst>
           </p:cNvPr>
@@ -6351,14 +6235,51 @@
           <a:bodyPr/>
           <a:lstStyle/>
           <a:p>
-            <a:endParaRPr lang="en-GB"/>
+            <a:r>
+              <a:rPr lang="en-GB" dirty="0">
+                <a:solidFill>
+                  <a:srgbClr val="00B0F0"/>
+                </a:solidFill>
+              </a:rPr>
+              <a:t>Fairly decent level of confidence</a:t>
+            </a:r>
+          </a:p>
+          <a:p>
+            <a:r>
+              <a:rPr lang="en-GB" dirty="0">
+                <a:solidFill>
+                  <a:srgbClr val="00B0F0"/>
+                </a:solidFill>
+              </a:rPr>
+              <a:t>More experience with Java from previous project</a:t>
+            </a:r>
+          </a:p>
+          <a:p>
+            <a:r>
+              <a:rPr lang="en-GB" dirty="0">
+                <a:solidFill>
+                  <a:srgbClr val="00B0F0"/>
+                </a:solidFill>
+              </a:rPr>
+              <a:t>Willing to apply new things learned in HTML, CSS and JS</a:t>
+            </a:r>
+          </a:p>
+          <a:p>
+            <a:r>
+              <a:rPr lang="en-GB" dirty="0">
+                <a:solidFill>
+                  <a:srgbClr val="00B0F0"/>
+                </a:solidFill>
+              </a:rPr>
+              <a:t>Getting better with using Jira and Git</a:t>
+            </a:r>
           </a:p>
         </p:txBody>
       </p:sp>
     </p:spTree>
     <p:extLst>
       <p:ext uri="{BB962C8B-B14F-4D97-AF65-F5344CB8AC3E}">
-        <p14:creationId xmlns:p14="http://schemas.microsoft.com/office/powerpoint/2010/main" val="1066286234"/>
+        <p14:creationId xmlns:p14="http://schemas.microsoft.com/office/powerpoint/2010/main" val="3635675762"/>
       </p:ext>
     </p:extLst>
   </p:cSld>
@@ -6390,7 +6311,7 @@
           <p:cNvPr id="2" name="Title 1">
             <a:extLst>
               <a:ext uri="{FF2B5EF4-FFF2-40B4-BE49-F238E27FC236}">
-                <a16:creationId xmlns:a16="http://schemas.microsoft.com/office/drawing/2014/main" id="{3EF2D52B-25E3-4153-A5CE-F466449529AB}"/>
+                <a16:creationId xmlns:a16="http://schemas.microsoft.com/office/drawing/2014/main" id="{F0FC9644-B633-4B0E-8BE4-BD1733C3224A}"/>
               </a:ext>
             </a:extLst>
           </p:cNvPr>
@@ -6408,17 +6329,17 @@
           <a:p>
             <a:r>
               <a:rPr lang="en-GB" dirty="0"/>
-              <a:t>Initial Approach to the Project</a:t>
-            </a:r>
-          </a:p>
-        </p:txBody>
-      </p:sp>
-      <p:sp>
-        <p:nvSpPr>
-          <p:cNvPr id="3" name="Content Placeholder 2">
+              <a:t>Sprint Plan</a:t>
+            </a:r>
+          </a:p>
+        </p:txBody>
+      </p:sp>
+      <p:sp>
+        <p:nvSpPr>
+          <p:cNvPr id="4" name="Content Placeholder 3">
             <a:extLst>
               <a:ext uri="{FF2B5EF4-FFF2-40B4-BE49-F238E27FC236}">
-                <a16:creationId xmlns:a16="http://schemas.microsoft.com/office/drawing/2014/main" id="{F3F8B456-249E-4AE5-A63F-964F2F1B2102}"/>
+                <a16:creationId xmlns:a16="http://schemas.microsoft.com/office/drawing/2014/main" id="{229B7F1B-559F-4D9A-9310-C502FFAE86FD}"/>
               </a:ext>
             </a:extLst>
           </p:cNvPr>
@@ -6426,22 +6347,163 @@
             <a:spLocks noGrp="1"/>
           </p:cNvSpPr>
           <p:nvPr>
-            <p:ph idx="1"/>
-          </p:nvPr>
-        </p:nvSpPr>
-        <p:spPr/>
-        <p:txBody>
-          <a:bodyPr/>
-          <a:lstStyle/>
-          <a:p>
-            <a:endParaRPr lang="en-GB"/>
+            <p:ph sz="half" idx="1"/>
+          </p:nvPr>
+        </p:nvSpPr>
+        <p:spPr/>
+        <p:txBody>
+          <a:bodyPr/>
+          <a:lstStyle/>
+          <a:p>
+            <a:r>
+              <a:rPr lang="en-GB" dirty="0">
+                <a:solidFill>
+                  <a:srgbClr val="00B0F0"/>
+                </a:solidFill>
+              </a:rPr>
+              <a:t>What must be included?</a:t>
+            </a:r>
+          </a:p>
+          <a:p>
+            <a:r>
+              <a:rPr lang="en-GB" dirty="0">
+                <a:solidFill>
+                  <a:srgbClr val="00B0F0"/>
+                </a:solidFill>
+              </a:rPr>
+              <a:t>Fully functional HTML pages (navigating from page to page)</a:t>
+            </a:r>
+          </a:p>
+          <a:p>
+            <a:r>
+              <a:rPr lang="en-GB" dirty="0">
+                <a:solidFill>
+                  <a:srgbClr val="00B0F0"/>
+                </a:solidFill>
+              </a:rPr>
+              <a:t>CRUD functionality in </a:t>
+            </a:r>
+            <a:r>
+              <a:rPr lang="en-GB" dirty="0" err="1">
+                <a:solidFill>
+                  <a:srgbClr val="00B0F0"/>
+                </a:solidFill>
+              </a:rPr>
+              <a:t>SpringBoot</a:t>
+            </a:r>
+            <a:r>
+              <a:rPr lang="en-GB" dirty="0">
+                <a:solidFill>
+                  <a:srgbClr val="00B0F0"/>
+                </a:solidFill>
+              </a:rPr>
+              <a:t> and web page</a:t>
+            </a:r>
+          </a:p>
+          <a:p>
+            <a:r>
+              <a:rPr lang="en-GB" dirty="0">
+                <a:solidFill>
+                  <a:srgbClr val="00B0F0"/>
+                </a:solidFill>
+              </a:rPr>
+              <a:t>Selenium testing for front </a:t>
+            </a:r>
+            <a:r>
+              <a:rPr lang="en-GB">
+                <a:solidFill>
+                  <a:srgbClr val="00B0F0"/>
+                </a:solidFill>
+              </a:rPr>
+              <a:t>- end</a:t>
+            </a:r>
+            <a:endParaRPr lang="en-GB" dirty="0">
+              <a:solidFill>
+                <a:srgbClr val="00B0F0"/>
+              </a:solidFill>
+            </a:endParaRPr>
+          </a:p>
+          <a:p>
+            <a:endParaRPr lang="en-GB" dirty="0">
+              <a:solidFill>
+                <a:srgbClr val="00B0F0"/>
+              </a:solidFill>
+            </a:endParaRPr>
+          </a:p>
+        </p:txBody>
+      </p:sp>
+      <p:sp>
+        <p:nvSpPr>
+          <p:cNvPr id="5" name="Content Placeholder 4">
+            <a:extLst>
+              <a:ext uri="{FF2B5EF4-FFF2-40B4-BE49-F238E27FC236}">
+                <a16:creationId xmlns:a16="http://schemas.microsoft.com/office/drawing/2014/main" id="{C240A0F9-B13D-4625-BA17-B5E5829CDF51}"/>
+              </a:ext>
+            </a:extLst>
+          </p:cNvPr>
+          <p:cNvSpPr>
+            <a:spLocks noGrp="1"/>
+          </p:cNvSpPr>
+          <p:nvPr>
+            <p:ph sz="half" idx="2"/>
+          </p:nvPr>
+        </p:nvSpPr>
+        <p:spPr/>
+        <p:txBody>
+          <a:bodyPr/>
+          <a:lstStyle/>
+          <a:p>
+            <a:r>
+              <a:rPr lang="en-GB" dirty="0">
+                <a:solidFill>
+                  <a:srgbClr val="00B0F0"/>
+                </a:solidFill>
+              </a:rPr>
+              <a:t>A working web application page that can use CRUD</a:t>
+            </a:r>
+          </a:p>
+          <a:p>
+            <a:r>
+              <a:rPr lang="en-GB" dirty="0">
+                <a:solidFill>
+                  <a:srgbClr val="00B0F0"/>
+                </a:solidFill>
+              </a:rPr>
+              <a:t>CSS styling (background images)</a:t>
+            </a:r>
+          </a:p>
+          <a:p>
+            <a:r>
+              <a:rPr lang="en-GB" dirty="0">
+                <a:solidFill>
+                  <a:srgbClr val="00B0F0"/>
+                </a:solidFill>
+              </a:rPr>
+              <a:t>Sufficient test coverage from </a:t>
+            </a:r>
+            <a:r>
+              <a:rPr lang="en-GB" dirty="0" err="1">
+                <a:solidFill>
+                  <a:srgbClr val="00B0F0"/>
+                </a:solidFill>
+              </a:rPr>
+              <a:t>SpringBoot</a:t>
+            </a:r>
+            <a:r>
+              <a:rPr lang="en-GB" dirty="0">
+                <a:solidFill>
+                  <a:srgbClr val="00B0F0"/>
+                </a:solidFill>
+              </a:rPr>
+              <a:t> and Selenium</a:t>
+            </a:r>
           </a:p>
         </p:txBody>
       </p:sp>
     </p:spTree>
     <p:extLst>
       <p:ext uri="{BB962C8B-B14F-4D97-AF65-F5344CB8AC3E}">
-        <p14:creationId xmlns:p14="http://schemas.microsoft.com/office/powerpoint/2010/main" val="3635675762"/>
+        <p14:creationId xmlns:p14="http://schemas.microsoft.com/office/powerpoint/2010/main" val="218550173"/>
       </p:ext>
     </p:extLst>
   </p:cSld>
@@ -6473,7 +6535,7 @@
           <p:cNvPr id="2" name="Title 1">
             <a:extLst>
               <a:ext uri="{FF2B5EF4-FFF2-40B4-BE49-F238E27FC236}">
-                <a16:creationId xmlns:a16="http://schemas.microsoft.com/office/drawing/2014/main" id="{F0FC9644-B633-4B0E-8BE4-BD1733C3224A}"/>
+                <a16:creationId xmlns:a16="http://schemas.microsoft.com/office/drawing/2014/main" id="{5046DE4B-EB23-4D3B-A155-0DE281197258}"/>
               </a:ext>
             </a:extLst>
           </p:cNvPr>
@@ -6491,7 +6553,7 @@
           <a:p>
             <a:r>
               <a:rPr lang="en-GB" dirty="0"/>
-              <a:t>Sprint Plan</a:t>
+              <a:t>Consultant Journey</a:t>
             </a:r>
           </a:p>
         </p:txBody>
@@ -6501,7 +6563,7 @@
           <p:cNvPr id="3" name="Content Placeholder 2">
             <a:extLst>
               <a:ext uri="{FF2B5EF4-FFF2-40B4-BE49-F238E27FC236}">
-                <a16:creationId xmlns:a16="http://schemas.microsoft.com/office/drawing/2014/main" id="{A728DFD8-BD11-4422-885D-F7325AB1969E}"/>
+                <a16:creationId xmlns:a16="http://schemas.microsoft.com/office/drawing/2014/main" id="{3AA017C5-FF3F-43C7-BA3C-29DF87AC2D5F}"/>
               </a:ext>
             </a:extLst>
           </p:cNvPr>
@@ -6517,14 +6579,49 @@
           <a:bodyPr/>
           <a:lstStyle/>
           <a:p>
-            <a:endParaRPr lang="en-GB"/>
+            <a:r>
+              <a:rPr lang="en-GB" dirty="0" err="1">
+                <a:solidFill>
+                  <a:srgbClr val="00B0F0"/>
+                </a:solidFill>
+              </a:rPr>
+              <a:t>SpringBoot</a:t>
+            </a:r>
+            <a:r>
+              <a:rPr lang="en-GB" dirty="0">
+                <a:solidFill>
+                  <a:srgbClr val="00B0F0"/>
+                </a:solidFill>
+              </a:rPr>
+              <a:t> and Selenium (for testing both ends)</a:t>
+            </a:r>
+          </a:p>
+          <a:p>
+            <a:r>
+              <a:rPr lang="en-GB" dirty="0">
+                <a:solidFill>
+                  <a:srgbClr val="00B0F0"/>
+                </a:solidFill>
+              </a:rPr>
+              <a:t>Fetch requests in JavaScript</a:t>
+            </a:r>
+          </a:p>
+          <a:p>
+            <a:r>
+              <a:rPr lang="en-GB" dirty="0">
+                <a:solidFill>
+                  <a:srgbClr val="00B0F0"/>
+                </a:solidFill>
+              </a:rPr>
+              <a:t>Building up from test classes to writing unit and integration tests</a:t>
+            </a:r>
           </a:p>
         </p:txBody>
       </p:sp>
     </p:spTree>
     <p:extLst>
       <p:ext uri="{BB962C8B-B14F-4D97-AF65-F5344CB8AC3E}">
-        <p14:creationId xmlns:p14="http://schemas.microsoft.com/office/powerpoint/2010/main" val="218550173"/>
+        <p14:creationId xmlns:p14="http://schemas.microsoft.com/office/powerpoint/2010/main" val="1379111564"/>
       </p:ext>
     </p:extLst>
   </p:cSld>
@@ -6556,7 +6653,7 @@
           <p:cNvPr id="2" name="Title 1">
             <a:extLst>
               <a:ext uri="{FF2B5EF4-FFF2-40B4-BE49-F238E27FC236}">
-                <a16:creationId xmlns:a16="http://schemas.microsoft.com/office/drawing/2014/main" id="{5046DE4B-EB23-4D3B-A155-0DE281197258}"/>
+                <a16:creationId xmlns:a16="http://schemas.microsoft.com/office/drawing/2014/main" id="{0CF0829D-34BF-4A7F-A22F-7233B8267BB0}"/>
               </a:ext>
             </a:extLst>
           </p:cNvPr>
@@ -6574,7 +6671,7 @@
           <a:p>
             <a:r>
               <a:rPr lang="en-GB" dirty="0"/>
-              <a:t>Consultant Journey</a:t>
+              <a:t>Version Control Approach</a:t>
             </a:r>
           </a:p>
         </p:txBody>
@@ -6584,7 +6681,7 @@
           <p:cNvPr id="3" name="Content Placeholder 2">
             <a:extLst>
               <a:ext uri="{FF2B5EF4-FFF2-40B4-BE49-F238E27FC236}">
-                <a16:creationId xmlns:a16="http://schemas.microsoft.com/office/drawing/2014/main" id="{3AA017C5-FF3F-43C7-BA3C-29DF87AC2D5F}"/>
+                <a16:creationId xmlns:a16="http://schemas.microsoft.com/office/drawing/2014/main" id="{31555D36-1F7C-4FFE-9751-74C1EB0F2C2C}"/>
               </a:ext>
             </a:extLst>
           </p:cNvPr>
@@ -6600,14 +6697,57 @@
           <a:bodyPr/>
           <a:lstStyle/>
           <a:p>
-            <a:endParaRPr lang="en-GB"/>
+            <a:r>
+              <a:rPr lang="en-GB" dirty="0">
+                <a:solidFill>
+                  <a:srgbClr val="00B0F0"/>
+                </a:solidFill>
+              </a:rPr>
+              <a:t>Being more strict with following the feature branch model when implementing new features to the project (e.g. docs, </a:t>
+            </a:r>
+            <a:r>
+              <a:rPr lang="en-GB" dirty="0" err="1">
+                <a:solidFill>
+                  <a:srgbClr val="00B0F0"/>
+                </a:solidFill>
+              </a:rPr>
+              <a:t>SpringBoot</a:t>
+            </a:r>
+            <a:r>
+              <a:rPr lang="en-GB" dirty="0">
+                <a:solidFill>
+                  <a:srgbClr val="00B0F0"/>
+                </a:solidFill>
+              </a:rPr>
+              <a:t>, Selenium, etc)</a:t>
+            </a:r>
+          </a:p>
+          <a:p>
+            <a:r>
+              <a:rPr lang="en-GB" dirty="0">
+                <a:solidFill>
+                  <a:srgbClr val="00B0F0"/>
+                </a:solidFill>
+              </a:rPr>
+              <a:t>Was able to be more thorough with version control by pushing regularly to Git</a:t>
+            </a:r>
+          </a:p>
+          <a:p>
+            <a:r>
+              <a:rPr lang="en-GB" dirty="0">
+                <a:solidFill>
+                  <a:srgbClr val="00B0F0"/>
+                </a:solidFill>
+              </a:rPr>
+              <a:t>Included one last general push to GitHub at the end of the day</a:t>
+            </a:r>
           </a:p>
         </p:txBody>
       </p:sp>
     </p:spTree>
     <p:extLst>
       <p:ext uri="{BB962C8B-B14F-4D97-AF65-F5344CB8AC3E}">
-        <p14:creationId xmlns:p14="http://schemas.microsoft.com/office/powerpoint/2010/main" val="1379111564"/>
+        <p14:creationId xmlns:p14="http://schemas.microsoft.com/office/powerpoint/2010/main" val="2668344315"/>
       </p:ext>
     </p:extLst>
   </p:cSld>
@@ -6639,7 +6779,7 @@
           <p:cNvPr id="2" name="Title 1">
             <a:extLst>
               <a:ext uri="{FF2B5EF4-FFF2-40B4-BE49-F238E27FC236}">
-                <a16:creationId xmlns:a16="http://schemas.microsoft.com/office/drawing/2014/main" id="{0CF0829D-34BF-4A7F-A22F-7233B8267BB0}"/>
+                <a16:creationId xmlns:a16="http://schemas.microsoft.com/office/drawing/2014/main" id="{64CF4547-0A09-4E6C-A6CE-96CACD52B8FD}"/>
               </a:ext>
             </a:extLst>
           </p:cNvPr>
@@ -6657,17 +6797,17 @@
           <a:p>
             <a:r>
               <a:rPr lang="en-GB" dirty="0"/>
-              <a:t>Version Control</a:t>
-            </a:r>
-          </a:p>
-        </p:txBody>
-      </p:sp>
-      <p:sp>
-        <p:nvSpPr>
-          <p:cNvPr id="3" name="Content Placeholder 2">
+              <a:t>Testing</a:t>
+            </a:r>
+          </a:p>
+        </p:txBody>
+      </p:sp>
+      <p:sp>
+        <p:nvSpPr>
+          <p:cNvPr id="4" name="Content Placeholder 3">
             <a:extLst>
               <a:ext uri="{FF2B5EF4-FFF2-40B4-BE49-F238E27FC236}">
-                <a16:creationId xmlns:a16="http://schemas.microsoft.com/office/drawing/2014/main" id="{31555D36-1F7C-4FFE-9751-74C1EB0F2C2C}"/>
+                <a16:creationId xmlns:a16="http://schemas.microsoft.com/office/drawing/2014/main" id="{37CB2EBE-AAD0-4405-8D37-113937DA9AE4}"/>
               </a:ext>
             </a:extLst>
           </p:cNvPr>
@@ -6675,22 +6815,130 @@
             <a:spLocks noGrp="1"/>
           </p:cNvSpPr>
           <p:nvPr>
-            <p:ph idx="1"/>
-          </p:nvPr>
-        </p:nvSpPr>
-        <p:spPr/>
-        <p:txBody>
-          <a:bodyPr/>
-          <a:lstStyle/>
-          <a:p>
-            <a:endParaRPr lang="en-GB"/>
+            <p:ph sz="half" idx="1"/>
+          </p:nvPr>
+        </p:nvSpPr>
+        <p:spPr/>
+        <p:txBody>
+          <a:bodyPr/>
+          <a:lstStyle/>
+          <a:p>
+            <a:r>
+              <a:rPr lang="en-GB" dirty="0">
+                <a:solidFill>
+                  <a:srgbClr val="00B0F0"/>
+                </a:solidFill>
+              </a:rPr>
+              <a:t>Front – end was tested by opening a live server on VS</a:t>
+            </a:r>
+          </a:p>
+          <a:p>
+            <a:r>
+              <a:rPr lang="en-GB" dirty="0">
+                <a:solidFill>
+                  <a:srgbClr val="00B0F0"/>
+                </a:solidFill>
+              </a:rPr>
+              <a:t>Changed to Selenium by using </a:t>
+            </a:r>
+            <a:r>
+              <a:rPr lang="en-GB" dirty="0" err="1">
+                <a:solidFill>
+                  <a:srgbClr val="00B0F0"/>
+                </a:solidFill>
+              </a:rPr>
+              <a:t>ChromeDriver</a:t>
+            </a:r>
+            <a:r>
+              <a:rPr lang="en-GB" dirty="0">
+                <a:solidFill>
+                  <a:srgbClr val="00B0F0"/>
+                </a:solidFill>
+              </a:rPr>
+              <a:t> and running the tests</a:t>
+            </a:r>
+          </a:p>
+          <a:p>
+            <a:r>
+              <a:rPr lang="en-GB" dirty="0">
+                <a:solidFill>
+                  <a:srgbClr val="00B0F0"/>
+                </a:solidFill>
+              </a:rPr>
+              <a:t>Selenium tests are complete and fully operational</a:t>
+            </a:r>
+          </a:p>
+        </p:txBody>
+      </p:sp>
+      <p:sp>
+        <p:nvSpPr>
+          <p:cNvPr id="5" name="Content Placeholder 4">
+            <a:extLst>
+              <a:ext uri="{FF2B5EF4-FFF2-40B4-BE49-F238E27FC236}">
+                <a16:creationId xmlns:a16="http://schemas.microsoft.com/office/drawing/2014/main" id="{49499A84-AA79-4D46-8574-156120D01370}"/>
+              </a:ext>
+            </a:extLst>
+          </p:cNvPr>
+          <p:cNvSpPr>
+            <a:spLocks noGrp="1"/>
+          </p:cNvSpPr>
+          <p:nvPr>
+            <p:ph sz="half" idx="2"/>
+          </p:nvPr>
+        </p:nvSpPr>
+        <p:spPr/>
+        <p:txBody>
+          <a:bodyPr/>
+          <a:lstStyle/>
+          <a:p>
+            <a:r>
+              <a:rPr lang="en-GB" dirty="0">
+                <a:solidFill>
+                  <a:srgbClr val="00B0F0"/>
+                </a:solidFill>
+              </a:rPr>
+              <a:t>Back – end testing was done initially by running Spring from the terminal and using Postman</a:t>
+            </a:r>
+          </a:p>
+          <a:p>
+            <a:r>
+              <a:rPr lang="en-GB" dirty="0">
+                <a:solidFill>
+                  <a:srgbClr val="00B0F0"/>
+                </a:solidFill>
+              </a:rPr>
+              <a:t>Changed to unit and integration tests on </a:t>
+            </a:r>
+            <a:r>
+              <a:rPr lang="en-GB" dirty="0" err="1">
+                <a:solidFill>
+                  <a:srgbClr val="00B0F0"/>
+                </a:solidFill>
+              </a:rPr>
+              <a:t>SpringBoot</a:t>
+            </a:r>
+            <a:endParaRPr lang="en-GB" dirty="0">
+              <a:solidFill>
+                <a:srgbClr val="00B0F0"/>
+              </a:solidFill>
+            </a:endParaRPr>
+          </a:p>
+          <a:p>
+            <a:r>
+              <a:rPr lang="en-GB" dirty="0">
+                <a:solidFill>
+                  <a:srgbClr val="00B0F0"/>
+                </a:solidFill>
+              </a:rPr>
+              <a:t>Coverage currently at 42.1 % due to problems (should improve before submission)</a:t>
+            </a:r>
           </a:p>
         </p:txBody>
       </p:sp>
     </p:spTree>
     <p:extLst>
       <p:ext uri="{BB962C8B-B14F-4D97-AF65-F5344CB8AC3E}">
-        <p14:creationId xmlns:p14="http://schemas.microsoft.com/office/powerpoint/2010/main" val="2668344315"/>
+        <p14:creationId xmlns:p14="http://schemas.microsoft.com/office/powerpoint/2010/main" val="3131417017"/>
       </p:ext>
     </p:extLst>
   </p:cSld>
@@ -6722,7 +6970,7 @@
           <p:cNvPr id="2" name="Title 1">
             <a:extLst>
               <a:ext uri="{FF2B5EF4-FFF2-40B4-BE49-F238E27FC236}">
-                <a16:creationId xmlns:a16="http://schemas.microsoft.com/office/drawing/2014/main" id="{64CF4547-0A09-4E6C-A6CE-96CACD52B8FD}"/>
+                <a16:creationId xmlns:a16="http://schemas.microsoft.com/office/drawing/2014/main" id="{C49D15D5-7C0C-49BF-8B50-4CE8791DD374}"/>
               </a:ext>
             </a:extLst>
           </p:cNvPr>
@@ -6740,7 +6988,7 @@
           <a:p>
             <a:r>
               <a:rPr lang="en-GB" dirty="0"/>
-              <a:t>Testing</a:t>
+              <a:t>Demonstration</a:t>
             </a:r>
           </a:p>
         </p:txBody>
@@ -6750,7 +6998,7 @@
           <p:cNvPr id="3" name="Content Placeholder 2">
             <a:extLst>
               <a:ext uri="{FF2B5EF4-FFF2-40B4-BE49-F238E27FC236}">
-                <a16:creationId xmlns:a16="http://schemas.microsoft.com/office/drawing/2014/main" id="{C769B2B6-C31B-4041-B3B6-F4EA5F817EC7}"/>
+                <a16:creationId xmlns:a16="http://schemas.microsoft.com/office/drawing/2014/main" id="{19393196-AE27-4CDA-8663-4AEB040FA1E5}"/>
               </a:ext>
             </a:extLst>
           </p:cNvPr>
@@ -6766,14 +7014,61 @@
           <a:bodyPr/>
           <a:lstStyle/>
           <a:p>
-            <a:endParaRPr lang="en-GB"/>
+            <a:r>
+              <a:rPr lang="en-GB" dirty="0">
+                <a:solidFill>
+                  <a:srgbClr val="00B0F0"/>
+                </a:solidFill>
+              </a:rPr>
+              <a:t>User stories I will cover on web page:</a:t>
+            </a:r>
+          </a:p>
+          <a:p>
+            <a:r>
+              <a:rPr lang="en-GB" dirty="0">
+                <a:solidFill>
+                  <a:srgbClr val="00B0F0"/>
+                </a:solidFill>
+              </a:rPr>
+              <a:t>CREATE and READ boat clubs</a:t>
+            </a:r>
+          </a:p>
+          <a:p>
+            <a:r>
+              <a:rPr lang="en-GB" dirty="0">
+                <a:solidFill>
+                  <a:srgbClr val="00B0F0"/>
+                </a:solidFill>
+              </a:rPr>
+              <a:t>CREATE boats</a:t>
+            </a:r>
+          </a:p>
+          <a:p>
+            <a:r>
+              <a:rPr lang="en-GB" dirty="0">
+                <a:solidFill>
+                  <a:srgbClr val="00B0F0"/>
+                </a:solidFill>
+              </a:rPr>
+              <a:t>UPDATE a boat club</a:t>
+            </a:r>
+          </a:p>
+          <a:p>
+            <a:r>
+              <a:rPr lang="en-GB" dirty="0">
+                <a:solidFill>
+                  <a:srgbClr val="00B0F0"/>
+                </a:solidFill>
+              </a:rPr>
+              <a:t>DELETE a boat</a:t>
+            </a:r>
           </a:p>
         </p:txBody>
       </p:sp>
     </p:spTree>
     <p:extLst>
       <p:ext uri="{BB962C8B-B14F-4D97-AF65-F5344CB8AC3E}">
-        <p14:creationId xmlns:p14="http://schemas.microsoft.com/office/powerpoint/2010/main" val="3131417017"/>
+        <p14:creationId xmlns:p14="http://schemas.microsoft.com/office/powerpoint/2010/main" val="3578841216"/>
       </p:ext>
     </p:extLst>
   </p:cSld>
@@ -6805,7 +7100,7 @@
           <p:cNvPr id="2" name="Title 1">
             <a:extLst>
               <a:ext uri="{FF2B5EF4-FFF2-40B4-BE49-F238E27FC236}">
-                <a16:creationId xmlns:a16="http://schemas.microsoft.com/office/drawing/2014/main" id="{C49D15D5-7C0C-49BF-8B50-4CE8791DD374}"/>
+                <a16:creationId xmlns:a16="http://schemas.microsoft.com/office/drawing/2014/main" id="{38AAEDB9-30E0-42FF-939D-4971A85D75E5}"/>
               </a:ext>
             </a:extLst>
           </p:cNvPr>
@@ -6823,17 +7118,17 @@
           <a:p>
             <a:r>
               <a:rPr lang="en-GB" dirty="0"/>
-              <a:t>Demonstration</a:t>
-            </a:r>
-          </a:p>
-        </p:txBody>
-      </p:sp>
-      <p:sp>
-        <p:nvSpPr>
-          <p:cNvPr id="3" name="Content Placeholder 2">
+              <a:t>Sprint Review</a:t>
+            </a:r>
+          </a:p>
+        </p:txBody>
+      </p:sp>
+      <p:sp>
+        <p:nvSpPr>
+          <p:cNvPr id="3" name="Text Placeholder 2">
             <a:extLst>
               <a:ext uri="{FF2B5EF4-FFF2-40B4-BE49-F238E27FC236}">
-                <a16:creationId xmlns:a16="http://schemas.microsoft.com/office/drawing/2014/main" id="{19393196-AE27-4CDA-8663-4AEB040FA1E5}"/>
+                <a16:creationId xmlns:a16="http://schemas.microsoft.com/office/drawing/2014/main" id="{BAD5027C-C1E5-4226-8D9D-192E631FED5A}"/>
               </a:ext>
             </a:extLst>
           </p:cNvPr>
@@ -6841,22 +7136,257 @@
             <a:spLocks noGrp="1"/>
           </p:cNvSpPr>
           <p:nvPr>
-            <p:ph idx="1"/>
-          </p:nvPr>
-        </p:nvSpPr>
-        <p:spPr/>
-        <p:txBody>
-          <a:bodyPr/>
-          <a:lstStyle/>
-          <a:p>
-            <a:endParaRPr lang="en-GB"/>
+            <p:ph type="body" idx="1"/>
+          </p:nvPr>
+        </p:nvSpPr>
+        <p:spPr/>
+        <p:txBody>
+          <a:bodyPr/>
+          <a:lstStyle/>
+          <a:p>
+            <a:r>
+              <a:rPr lang="en-GB" dirty="0">
+                <a:solidFill>
+                  <a:srgbClr val="00B0F0"/>
+                </a:solidFill>
+              </a:rPr>
+              <a:t>Managed to complete:</a:t>
+            </a:r>
+          </a:p>
+        </p:txBody>
+      </p:sp>
+      <p:sp>
+        <p:nvSpPr>
+          <p:cNvPr id="4" name="Content Placeholder 3">
+            <a:extLst>
+              <a:ext uri="{FF2B5EF4-FFF2-40B4-BE49-F238E27FC236}">
+                <a16:creationId xmlns:a16="http://schemas.microsoft.com/office/drawing/2014/main" id="{95ADDBD1-E0EA-4129-A934-78D23BC9D9C3}"/>
+              </a:ext>
+            </a:extLst>
+          </p:cNvPr>
+          <p:cNvSpPr>
+            <a:spLocks noGrp="1"/>
+          </p:cNvSpPr>
+          <p:nvPr>
+            <p:ph sz="half" idx="2"/>
+          </p:nvPr>
+        </p:nvSpPr>
+        <p:spPr/>
+        <p:txBody>
+          <a:bodyPr>
+            <a:normAutofit fontScale="92500" lnSpcReduction="10000"/>
+          </a:bodyPr>
+          <a:lstStyle/>
+          <a:p>
+            <a:r>
+              <a:rPr lang="en-GB" dirty="0">
+                <a:solidFill>
+                  <a:srgbClr val="00B0F0"/>
+                </a:solidFill>
+              </a:rPr>
+              <a:t>Fully functional web page (able to use CRUD)</a:t>
+            </a:r>
+          </a:p>
+          <a:p>
+            <a:r>
+              <a:rPr lang="en-GB" dirty="0">
+                <a:solidFill>
+                  <a:srgbClr val="00B0F0"/>
+                </a:solidFill>
+              </a:rPr>
+              <a:t>Controllers, services, domains for Boat and </a:t>
+            </a:r>
+            <a:r>
+              <a:rPr lang="en-GB" dirty="0" err="1">
+                <a:solidFill>
+                  <a:srgbClr val="00B0F0"/>
+                </a:solidFill>
+              </a:rPr>
+              <a:t>BoatClub</a:t>
+            </a:r>
+            <a:r>
+              <a:rPr lang="en-GB" dirty="0">
+                <a:solidFill>
+                  <a:srgbClr val="00B0F0"/>
+                </a:solidFill>
+              </a:rPr>
+              <a:t> classes on </a:t>
+            </a:r>
+            <a:r>
+              <a:rPr lang="en-GB" dirty="0" err="1">
+                <a:solidFill>
+                  <a:srgbClr val="00B0F0"/>
+                </a:solidFill>
+              </a:rPr>
+              <a:t>SpringBoot</a:t>
+            </a:r>
+            <a:endParaRPr lang="en-GB" dirty="0">
+              <a:solidFill>
+                <a:srgbClr val="00B0F0"/>
+              </a:solidFill>
+            </a:endParaRPr>
+          </a:p>
+          <a:p>
+            <a:r>
+              <a:rPr lang="en-GB" dirty="0">
+                <a:solidFill>
+                  <a:srgbClr val="00B0F0"/>
+                </a:solidFill>
+              </a:rPr>
+              <a:t>Documentation (Risk assessment, ER and UML diagram)</a:t>
+            </a:r>
+          </a:p>
+          <a:p>
+            <a:r>
+              <a:rPr lang="en-GB" dirty="0">
+                <a:solidFill>
+                  <a:srgbClr val="00B0F0"/>
+                </a:solidFill>
+              </a:rPr>
+              <a:t>Mostly completed Jira board</a:t>
+            </a:r>
+          </a:p>
+          <a:p>
+            <a:r>
+              <a:rPr lang="en-GB" dirty="0">
+                <a:solidFill>
+                  <a:srgbClr val="00B0F0"/>
+                </a:solidFill>
+              </a:rPr>
+              <a:t>Selenium tests</a:t>
+            </a:r>
+          </a:p>
+          <a:p>
+            <a:r>
+              <a:rPr lang="en-GB" dirty="0">
+                <a:solidFill>
+                  <a:srgbClr val="00B0F0"/>
+                </a:solidFill>
+              </a:rPr>
+              <a:t>Fully working HTML and JS, sufficient styling using CSS</a:t>
+            </a:r>
+          </a:p>
+        </p:txBody>
+      </p:sp>
+      <p:sp>
+        <p:nvSpPr>
+          <p:cNvPr id="5" name="Text Placeholder 4">
+            <a:extLst>
+              <a:ext uri="{FF2B5EF4-FFF2-40B4-BE49-F238E27FC236}">
+                <a16:creationId xmlns:a16="http://schemas.microsoft.com/office/drawing/2014/main" id="{E90EE3F8-5791-47BA-895F-42037F2B6DF5}"/>
+              </a:ext>
+            </a:extLst>
+          </p:cNvPr>
+          <p:cNvSpPr>
+            <a:spLocks noGrp="1"/>
+          </p:cNvSpPr>
+          <p:nvPr>
+            <p:ph type="body" sz="quarter" idx="3"/>
+          </p:nvPr>
+        </p:nvSpPr>
+        <p:spPr/>
+        <p:txBody>
+          <a:bodyPr/>
+          <a:lstStyle/>
+          <a:p>
+            <a:r>
+              <a:rPr lang="en-GB" dirty="0">
+                <a:solidFill>
+                  <a:srgbClr val="00B0F0"/>
+                </a:solidFill>
+              </a:rPr>
+              <a:t>Remaining tasks:</a:t>
+            </a:r>
+          </a:p>
+        </p:txBody>
+      </p:sp>
+      <p:sp>
+        <p:nvSpPr>
+          <p:cNvPr id="6" name="Content Placeholder 5">
+            <a:extLst>
+              <a:ext uri="{FF2B5EF4-FFF2-40B4-BE49-F238E27FC236}">
+                <a16:creationId xmlns:a16="http://schemas.microsoft.com/office/drawing/2014/main" id="{8A9301E1-2D0E-4049-BC60-94942939737A}"/>
+              </a:ext>
+            </a:extLst>
+          </p:cNvPr>
+          <p:cNvSpPr>
+            <a:spLocks noGrp="1"/>
+          </p:cNvSpPr>
+          <p:nvPr>
+            <p:ph sz="quarter" idx="4"/>
+          </p:nvPr>
+        </p:nvSpPr>
+        <p:spPr/>
+        <p:txBody>
+          <a:bodyPr>
+            <a:normAutofit fontScale="92500" lnSpcReduction="10000"/>
+          </a:bodyPr>
+          <a:lstStyle/>
+          <a:p>
+            <a:r>
+              <a:rPr lang="en-GB" dirty="0">
+                <a:solidFill>
+                  <a:srgbClr val="00B0F0"/>
+                </a:solidFill>
+              </a:rPr>
+              <a:t>Fat .jar files for Selenium and </a:t>
+            </a:r>
+            <a:r>
+              <a:rPr lang="en-GB" dirty="0" err="1">
+                <a:solidFill>
+                  <a:srgbClr val="00B0F0"/>
+                </a:solidFill>
+              </a:rPr>
+              <a:t>SpringBoot</a:t>
+            </a:r>
+            <a:endParaRPr lang="en-GB" dirty="0">
+              <a:solidFill>
+                <a:srgbClr val="00B0F0"/>
+              </a:solidFill>
+            </a:endParaRPr>
+          </a:p>
+          <a:p>
+            <a:r>
+              <a:rPr lang="en-GB" dirty="0">
+                <a:solidFill>
+                  <a:srgbClr val="00B0F0"/>
+                </a:solidFill>
+              </a:rPr>
+              <a:t>Merging final version from dev to main branch on GitHub</a:t>
+            </a:r>
+          </a:p>
+          <a:p>
+            <a:r>
+              <a:rPr lang="en-GB" dirty="0">
+                <a:solidFill>
+                  <a:srgbClr val="00B0F0"/>
+                </a:solidFill>
+              </a:rPr>
+              <a:t>Integration tests for </a:t>
+            </a:r>
+            <a:r>
+              <a:rPr lang="en-GB" dirty="0" err="1">
+                <a:solidFill>
+                  <a:srgbClr val="00B0F0"/>
+                </a:solidFill>
+              </a:rPr>
+              <a:t>BoatController</a:t>
+            </a:r>
+            <a:r>
+              <a:rPr lang="en-GB" dirty="0">
+                <a:solidFill>
+                  <a:srgbClr val="00B0F0"/>
+                </a:solidFill>
+              </a:rPr>
+              <a:t> due to problems</a:t>
+            </a:r>
           </a:p>
         </p:txBody>
       </p:sp>
     </p:spTree>
     <p:extLst>
       <p:ext uri="{BB962C8B-B14F-4D97-AF65-F5344CB8AC3E}">
-        <p14:creationId xmlns:p14="http://schemas.microsoft.com/office/powerpoint/2010/main" val="3578841216"/>
+        <p14:creationId xmlns:p14="http://schemas.microsoft.com/office/powerpoint/2010/main" val="2229512494"/>
       </p:ext>
     </p:extLst>
   </p:cSld>
@@ -6888,7 +7418,7 @@
           <p:cNvPr id="2" name="Title 1">
             <a:extLst>
               <a:ext uri="{FF2B5EF4-FFF2-40B4-BE49-F238E27FC236}">
-                <a16:creationId xmlns:a16="http://schemas.microsoft.com/office/drawing/2014/main" id="{38AAEDB9-30E0-42FF-939D-4971A85D75E5}"/>
+                <a16:creationId xmlns:a16="http://schemas.microsoft.com/office/drawing/2014/main" id="{A502B3FE-D3CA-421C-9053-084ECE8B0CC2}"/>
               </a:ext>
             </a:extLst>
           </p:cNvPr>
@@ -6906,7 +7436,7 @@
           <a:p>
             <a:r>
               <a:rPr lang="en-GB" dirty="0"/>
-              <a:t>Sprint Review</a:t>
+              <a:t>Sprint Retrospective</a:t>
             </a:r>
           </a:p>
         </p:txBody>
@@ -6916,7 +7446,7 @@
           <p:cNvPr id="3" name="Text Placeholder 2">
             <a:extLst>
               <a:ext uri="{FF2B5EF4-FFF2-40B4-BE49-F238E27FC236}">
-                <a16:creationId xmlns:a16="http://schemas.microsoft.com/office/drawing/2014/main" id="{BAD5027C-C1E5-4226-8D9D-192E631FED5A}"/>
+                <a16:creationId xmlns:a16="http://schemas.microsoft.com/office/drawing/2014/main" id="{8922EF52-74FB-4E0B-9CCF-9E7DCEE65104}"/>
               </a:ext>
             </a:extLst>
           </p:cNvPr>
@@ -6933,8 +7463,12 @@
           <a:lstStyle/>
           <a:p>
             <a:r>
-              <a:rPr lang="en-GB" dirty="0"/>
-              <a:t>Managed to complete:</a:t>
+              <a:rPr lang="en-GB" dirty="0">
+                <a:solidFill>
+                  <a:srgbClr val="00B0F0"/>
+                </a:solidFill>
+              </a:rPr>
+              <a:t>What went well?</a:t>
             </a:r>
           </a:p>
         </p:txBody>
@@ -6944,7 +7478,7 @@
           <p:cNvPr id="4" name="Content Placeholder 3">
             <a:extLst>
               <a:ext uri="{FF2B5EF4-FFF2-40B4-BE49-F238E27FC236}">
-                <a16:creationId xmlns:a16="http://schemas.microsoft.com/office/drawing/2014/main" id="{95ADDBD1-E0EA-4129-A934-78D23BC9D9C3}"/>
+                <a16:creationId xmlns:a16="http://schemas.microsoft.com/office/drawing/2014/main" id="{1414F4BA-B895-43F2-B05D-2937D50A6CC5}"/>
               </a:ext>
             </a:extLst>
           </p:cNvPr>
@@ -6957,10 +7491,73 @@
         </p:nvSpPr>
         <p:spPr/>
         <p:txBody>
-          <a:bodyPr/>
-          <a:lstStyle/>
-          <a:p>
-            <a:endParaRPr lang="en-GB"/>
+          <a:bodyPr>
+            <a:normAutofit fontScale="92500" lnSpcReduction="10000"/>
+          </a:bodyPr>
+          <a:lstStyle/>
+          <a:p>
+            <a:r>
+              <a:rPr lang="en-GB" dirty="0">
+                <a:solidFill>
+                  <a:srgbClr val="00B0F0"/>
+                </a:solidFill>
+              </a:rPr>
+              <a:t>Took more careful planning for overall project</a:t>
+            </a:r>
+          </a:p>
+          <a:p>
+            <a:r>
+              <a:rPr lang="en-GB" dirty="0">
+                <a:solidFill>
+                  <a:srgbClr val="00B0F0"/>
+                </a:solidFill>
+              </a:rPr>
+              <a:t>More disciplined with version control than with IMS</a:t>
+            </a:r>
+          </a:p>
+          <a:p>
+            <a:r>
+              <a:rPr lang="en-GB" dirty="0">
+                <a:solidFill>
+                  <a:srgbClr val="00B0F0"/>
+                </a:solidFill>
+              </a:rPr>
+              <a:t>Slightly more consistent with code style</a:t>
+            </a:r>
+          </a:p>
+          <a:p>
+            <a:r>
+              <a:rPr lang="en-GB" dirty="0">
+                <a:solidFill>
+                  <a:srgbClr val="00B0F0"/>
+                </a:solidFill>
+              </a:rPr>
+              <a:t>Basics of Java, HTML, CSS and JavaScript were properly demonstrated</a:t>
+            </a:r>
+          </a:p>
+          <a:p>
+            <a:r>
+              <a:rPr lang="en-GB" dirty="0">
+                <a:solidFill>
+                  <a:srgbClr val="00B0F0"/>
+                </a:solidFill>
+              </a:rPr>
+              <a:t>Stuck to planned timeline for the project</a:t>
+            </a:r>
+          </a:p>
+          <a:p>
+            <a:endParaRPr lang="en-GB" dirty="0">
+              <a:solidFill>
+                <a:srgbClr val="00B0F0"/>
+              </a:solidFill>
+            </a:endParaRPr>
+          </a:p>
+          <a:p>
+            <a:endParaRPr lang="en-GB" dirty="0">
+              <a:solidFill>
+                <a:srgbClr val="00B0F0"/>
+              </a:solidFill>
+            </a:endParaRPr>
           </a:p>
         </p:txBody>
       </p:sp>
@@ -6969,7 +7566,7 @@
           <p:cNvPr id="5" name="Text Placeholder 4">
             <a:extLst>
               <a:ext uri="{FF2B5EF4-FFF2-40B4-BE49-F238E27FC236}">
-                <a16:creationId xmlns:a16="http://schemas.microsoft.com/office/drawing/2014/main" id="{E90EE3F8-5791-47BA-895F-42037F2B6DF5}"/>
+                <a16:creationId xmlns:a16="http://schemas.microsoft.com/office/drawing/2014/main" id="{4E1EB660-BE78-47DF-9044-8B5B6256FB61}"/>
               </a:ext>
             </a:extLst>
           </p:cNvPr>
@@ -6986,8 +7583,12 @@
           <a:lstStyle/>
           <a:p>
             <a:r>
-              <a:rPr lang="en-GB" dirty="0"/>
-              <a:t>Remaining tasks:</a:t>
+              <a:rPr lang="en-GB" dirty="0">
+                <a:solidFill>
+                  <a:srgbClr val="00B0F0"/>
+                </a:solidFill>
+              </a:rPr>
+              <a:t>What to do better next time?</a:t>
             </a:r>
           </a:p>
         </p:txBody>
@@ -6997,7 +7598,7 @@
           <p:cNvPr id="6" name="Content Placeholder 5">
             <a:extLst>
               <a:ext uri="{FF2B5EF4-FFF2-40B4-BE49-F238E27FC236}">
-                <a16:creationId xmlns:a16="http://schemas.microsoft.com/office/drawing/2014/main" id="{8A9301E1-2D0E-4049-BC60-94942939737A}"/>
+                <a16:creationId xmlns:a16="http://schemas.microsoft.com/office/drawing/2014/main" id="{44162BAA-41FF-4D26-8CE4-6A73DA260221}"/>
               </a:ext>
             </a:extLst>
           </p:cNvPr>
@@ -7010,17 +7611,36 @@
         </p:nvSpPr>
         <p:spPr/>
         <p:txBody>
-          <a:bodyPr/>
-          <a:lstStyle/>
-          <a:p>
-            <a:endParaRPr lang="en-GB"/>
+          <a:bodyPr>
+            <a:normAutofit fontScale="92500" lnSpcReduction="10000"/>
+          </a:bodyPr>
+          <a:lstStyle/>
+          <a:p>
+            <a:r>
+              <a:rPr lang="en-GB" dirty="0">
+                <a:solidFill>
+                  <a:srgbClr val="00B0F0"/>
+                </a:solidFill>
+              </a:rPr>
+              <a:t>Could still use smart commits for Jira (heavily focused on normal commits via Git bash)</a:t>
+            </a:r>
+          </a:p>
+          <a:p>
+            <a:r>
+              <a:rPr lang="en-GB" dirty="0">
+                <a:solidFill>
+                  <a:srgbClr val="00B0F0"/>
+                </a:solidFill>
+              </a:rPr>
+              <a:t>Avoid wasting too much time trying to debug myself. Ask trainer for help or cohort members in breakout rooms on Teams</a:t>
+            </a:r>
           </a:p>
         </p:txBody>
       </p:sp>
     </p:spTree>
     <p:extLst>
       <p:ext uri="{BB962C8B-B14F-4D97-AF65-F5344CB8AC3E}">
-        <p14:creationId xmlns:p14="http://schemas.microsoft.com/office/powerpoint/2010/main" val="2229512494"/>
+        <p14:creationId xmlns:p14="http://schemas.microsoft.com/office/powerpoint/2010/main" val="4112237101"/>
       </p:ext>
     </p:extLst>
   </p:cSld>

--- a/docs/HWA Presentation.pptx
+++ b/docs/HWA Presentation.pptx
@@ -7,16 +7,17 @@
   <p:sldIdLst>
     <p:sldId id="256" r:id="rId2"/>
     <p:sldId id="258" r:id="rId3"/>
-    <p:sldId id="259" r:id="rId4"/>
-    <p:sldId id="260" r:id="rId5"/>
-    <p:sldId id="261" r:id="rId6"/>
-    <p:sldId id="262" r:id="rId7"/>
-    <p:sldId id="263" r:id="rId8"/>
-    <p:sldId id="266" r:id="rId9"/>
-    <p:sldId id="265" r:id="rId10"/>
-    <p:sldId id="267" r:id="rId11"/>
-    <p:sldId id="268" r:id="rId12"/>
-    <p:sldId id="269" r:id="rId13"/>
+    <p:sldId id="270" r:id="rId4"/>
+    <p:sldId id="259" r:id="rId5"/>
+    <p:sldId id="260" r:id="rId6"/>
+    <p:sldId id="261" r:id="rId7"/>
+    <p:sldId id="262" r:id="rId8"/>
+    <p:sldId id="263" r:id="rId9"/>
+    <p:sldId id="266" r:id="rId10"/>
+    <p:sldId id="265" r:id="rId11"/>
+    <p:sldId id="267" r:id="rId12"/>
+    <p:sldId id="268" r:id="rId13"/>
+    <p:sldId id="269" r:id="rId14"/>
   </p:sldIdLst>
   <p:sldSz cx="12192000" cy="6858000"/>
   <p:notesSz cx="6858000" cy="9144000"/>
@@ -5923,7 +5924,7 @@
           <p:cNvPr id="2" name="Title 1">
             <a:extLst>
               <a:ext uri="{FF2B5EF4-FFF2-40B4-BE49-F238E27FC236}">
-                <a16:creationId xmlns:a16="http://schemas.microsoft.com/office/drawing/2014/main" id="{E7154E85-6844-4C3A-A062-1704DF30EB7C}"/>
+                <a16:creationId xmlns:a16="http://schemas.microsoft.com/office/drawing/2014/main" id="{A502B3FE-D3CA-421C-9053-084ECE8B0CC2}"/>
               </a:ext>
             </a:extLst>
           </p:cNvPr>
@@ -5941,17 +5942,17 @@
           <a:p>
             <a:r>
               <a:rPr lang="en-GB" dirty="0"/>
-              <a:t>Overall Conclusion</a:t>
-            </a:r>
-          </a:p>
-        </p:txBody>
-      </p:sp>
-      <p:sp>
-        <p:nvSpPr>
-          <p:cNvPr id="3" name="Content Placeholder 2">
+              <a:t>Sprint Retrospective</a:t>
+            </a:r>
+          </a:p>
+        </p:txBody>
+      </p:sp>
+      <p:sp>
+        <p:nvSpPr>
+          <p:cNvPr id="3" name="Text Placeholder 2">
             <a:extLst>
               <a:ext uri="{FF2B5EF4-FFF2-40B4-BE49-F238E27FC236}">
-                <a16:creationId xmlns:a16="http://schemas.microsoft.com/office/drawing/2014/main" id="{73288749-417B-4A76-8430-759B3F01A8FE}"/>
+                <a16:creationId xmlns:a16="http://schemas.microsoft.com/office/drawing/2014/main" id="{8922EF52-74FB-4E0B-9CCF-9E7DCEE65104}"/>
               </a:ext>
             </a:extLst>
           </p:cNvPr>
@@ -5959,7 +5960,7 @@
             <a:spLocks noGrp="1"/>
           </p:cNvSpPr>
           <p:nvPr>
-            <p:ph idx="1"/>
+            <p:ph type="body" idx="1"/>
           </p:nvPr>
         </p:nvSpPr>
         <p:spPr/>
@@ -5973,9 +5974,33 @@
                   <a:srgbClr val="00B0F0"/>
                 </a:solidFill>
               </a:rPr>
-              <a:t>Big improvement from IMS (as far as using Git)</a:t>
-            </a:r>
-          </a:p>
+              <a:t>What went well?</a:t>
+            </a:r>
+          </a:p>
+        </p:txBody>
+      </p:sp>
+      <p:sp>
+        <p:nvSpPr>
+          <p:cNvPr id="4" name="Content Placeholder 3">
+            <a:extLst>
+              <a:ext uri="{FF2B5EF4-FFF2-40B4-BE49-F238E27FC236}">
+                <a16:creationId xmlns:a16="http://schemas.microsoft.com/office/drawing/2014/main" id="{1414F4BA-B895-43F2-B05D-2937D50A6CC5}"/>
+              </a:ext>
+            </a:extLst>
+          </p:cNvPr>
+          <p:cNvSpPr>
+            <a:spLocks noGrp="1"/>
+          </p:cNvSpPr>
+          <p:nvPr>
+            <p:ph sz="half" idx="2"/>
+          </p:nvPr>
+        </p:nvSpPr>
+        <p:spPr/>
+        <p:txBody>
+          <a:bodyPr>
+            <a:normAutofit fontScale="92500" lnSpcReduction="10000"/>
+          </a:bodyPr>
+          <a:lstStyle/>
           <a:p>
             <a:r>
               <a:rPr lang="en-GB" dirty="0">
@@ -5983,7 +6008,7 @@
                   <a:srgbClr val="00B0F0"/>
                 </a:solidFill>
               </a:rPr>
-              <a:t>Still could do a bit better</a:t>
+              <a:t>Took more careful planning for overall project</a:t>
             </a:r>
           </a:p>
           <a:p>
@@ -5993,7 +6018,7 @@
                   <a:srgbClr val="00B0F0"/>
                 </a:solidFill>
               </a:rPr>
-              <a:t>Keep working on getting into a better habit of updating Jira and project work simultaneously</a:t>
+              <a:t>More disciplined with version control than with IMS</a:t>
             </a:r>
           </a:p>
           <a:p>
@@ -6003,7 +6028,27 @@
                   <a:srgbClr val="00B0F0"/>
                 </a:solidFill>
               </a:rPr>
-              <a:t>Try to ask for help a bit more often instead of wasting a lot of time trying to do it myself</a:t>
+              <a:t>Slightly more consistent with code style</a:t>
+            </a:r>
+          </a:p>
+          <a:p>
+            <a:r>
+              <a:rPr lang="en-GB" dirty="0">
+                <a:solidFill>
+                  <a:srgbClr val="00B0F0"/>
+                </a:solidFill>
+              </a:rPr>
+              <a:t>Basics of Java, HTML, CSS and JavaScript were properly demonstrated</a:t>
+            </a:r>
+          </a:p>
+          <a:p>
+            <a:r>
+              <a:rPr lang="en-GB" dirty="0">
+                <a:solidFill>
+                  <a:srgbClr val="00B0F0"/>
+                </a:solidFill>
+              </a:rPr>
+              <a:t>Stuck to planned timeline for the project</a:t>
             </a:r>
           </a:p>
           <a:p>
@@ -6013,12 +6058,95 @@
               </a:solidFill>
             </a:endParaRPr>
           </a:p>
+          <a:p>
+            <a:endParaRPr lang="en-GB" dirty="0">
+              <a:solidFill>
+                <a:srgbClr val="00B0F0"/>
+              </a:solidFill>
+            </a:endParaRPr>
+          </a:p>
+        </p:txBody>
+      </p:sp>
+      <p:sp>
+        <p:nvSpPr>
+          <p:cNvPr id="5" name="Text Placeholder 4">
+            <a:extLst>
+              <a:ext uri="{FF2B5EF4-FFF2-40B4-BE49-F238E27FC236}">
+                <a16:creationId xmlns:a16="http://schemas.microsoft.com/office/drawing/2014/main" id="{4E1EB660-BE78-47DF-9044-8B5B6256FB61}"/>
+              </a:ext>
+            </a:extLst>
+          </p:cNvPr>
+          <p:cNvSpPr>
+            <a:spLocks noGrp="1"/>
+          </p:cNvSpPr>
+          <p:nvPr>
+            <p:ph type="body" sz="quarter" idx="3"/>
+          </p:nvPr>
+        </p:nvSpPr>
+        <p:spPr/>
+        <p:txBody>
+          <a:bodyPr/>
+          <a:lstStyle/>
+          <a:p>
+            <a:r>
+              <a:rPr lang="en-GB" dirty="0">
+                <a:solidFill>
+                  <a:srgbClr val="00B0F0"/>
+                </a:solidFill>
+              </a:rPr>
+              <a:t>What to do better next time?</a:t>
+            </a:r>
+          </a:p>
+        </p:txBody>
+      </p:sp>
+      <p:sp>
+        <p:nvSpPr>
+          <p:cNvPr id="6" name="Content Placeholder 5">
+            <a:extLst>
+              <a:ext uri="{FF2B5EF4-FFF2-40B4-BE49-F238E27FC236}">
+                <a16:creationId xmlns:a16="http://schemas.microsoft.com/office/drawing/2014/main" id="{44162BAA-41FF-4D26-8CE4-6A73DA260221}"/>
+              </a:ext>
+            </a:extLst>
+          </p:cNvPr>
+          <p:cNvSpPr>
+            <a:spLocks noGrp="1"/>
+          </p:cNvSpPr>
+          <p:nvPr>
+            <p:ph sz="quarter" idx="4"/>
+          </p:nvPr>
+        </p:nvSpPr>
+        <p:spPr/>
+        <p:txBody>
+          <a:bodyPr>
+            <a:normAutofit fontScale="92500" lnSpcReduction="10000"/>
+          </a:bodyPr>
+          <a:lstStyle/>
+          <a:p>
+            <a:r>
+              <a:rPr lang="en-GB" dirty="0">
+                <a:solidFill>
+                  <a:srgbClr val="00B0F0"/>
+                </a:solidFill>
+              </a:rPr>
+              <a:t>Could still use smart commits for Jira (heavily focused on normal commits via Git bash)</a:t>
+            </a:r>
+          </a:p>
+          <a:p>
+            <a:r>
+              <a:rPr lang="en-GB" dirty="0">
+                <a:solidFill>
+                  <a:srgbClr val="00B0F0"/>
+                </a:solidFill>
+              </a:rPr>
+              <a:t>Avoid wasting too much time trying to debug myself. Ask trainer for help or cohort members in breakout rooms on Teams</a:t>
+            </a:r>
+          </a:p>
         </p:txBody>
       </p:sp>
     </p:spTree>
     <p:extLst>
       <p:ext uri="{BB962C8B-B14F-4D97-AF65-F5344CB8AC3E}">
-        <p14:creationId xmlns:p14="http://schemas.microsoft.com/office/powerpoint/2010/main" val="783431808"/>
+        <p14:creationId xmlns:p14="http://schemas.microsoft.com/office/powerpoint/2010/main" val="4112237101"/>
       </p:ext>
     </p:extLst>
   </p:cSld>
@@ -6050,6 +6178,133 @@
           <p:cNvPr id="2" name="Title 1">
             <a:extLst>
               <a:ext uri="{FF2B5EF4-FFF2-40B4-BE49-F238E27FC236}">
+                <a16:creationId xmlns:a16="http://schemas.microsoft.com/office/drawing/2014/main" id="{E7154E85-6844-4C3A-A062-1704DF30EB7C}"/>
+              </a:ext>
+            </a:extLst>
+          </p:cNvPr>
+          <p:cNvSpPr>
+            <a:spLocks noGrp="1"/>
+          </p:cNvSpPr>
+          <p:nvPr>
+            <p:ph type="title"/>
+          </p:nvPr>
+        </p:nvSpPr>
+        <p:spPr/>
+        <p:txBody>
+          <a:bodyPr/>
+          <a:lstStyle/>
+          <a:p>
+            <a:r>
+              <a:rPr lang="en-GB" dirty="0"/>
+              <a:t>Overall Conclusion</a:t>
+            </a:r>
+          </a:p>
+        </p:txBody>
+      </p:sp>
+      <p:sp>
+        <p:nvSpPr>
+          <p:cNvPr id="3" name="Content Placeholder 2">
+            <a:extLst>
+              <a:ext uri="{FF2B5EF4-FFF2-40B4-BE49-F238E27FC236}">
+                <a16:creationId xmlns:a16="http://schemas.microsoft.com/office/drawing/2014/main" id="{73288749-417B-4A76-8430-759B3F01A8FE}"/>
+              </a:ext>
+            </a:extLst>
+          </p:cNvPr>
+          <p:cNvSpPr>
+            <a:spLocks noGrp="1"/>
+          </p:cNvSpPr>
+          <p:nvPr>
+            <p:ph idx="1"/>
+          </p:nvPr>
+        </p:nvSpPr>
+        <p:spPr/>
+        <p:txBody>
+          <a:bodyPr/>
+          <a:lstStyle/>
+          <a:p>
+            <a:r>
+              <a:rPr lang="en-GB" dirty="0">
+                <a:solidFill>
+                  <a:srgbClr val="00B0F0"/>
+                </a:solidFill>
+              </a:rPr>
+              <a:t>Big improvement from IMS (as far as using Git)</a:t>
+            </a:r>
+          </a:p>
+          <a:p>
+            <a:r>
+              <a:rPr lang="en-GB" dirty="0">
+                <a:solidFill>
+                  <a:srgbClr val="00B0F0"/>
+                </a:solidFill>
+              </a:rPr>
+              <a:t>Still could do a bit better</a:t>
+            </a:r>
+          </a:p>
+          <a:p>
+            <a:r>
+              <a:rPr lang="en-GB" dirty="0">
+                <a:solidFill>
+                  <a:srgbClr val="00B0F0"/>
+                </a:solidFill>
+              </a:rPr>
+              <a:t>Keep working on getting into a better habit of updating Jira and project work simultaneously</a:t>
+            </a:r>
+          </a:p>
+          <a:p>
+            <a:r>
+              <a:rPr lang="en-GB" dirty="0">
+                <a:solidFill>
+                  <a:srgbClr val="00B0F0"/>
+                </a:solidFill>
+              </a:rPr>
+              <a:t>Try to ask for help a bit more often instead of wasting a lot of time trying to do it myself</a:t>
+            </a:r>
+          </a:p>
+          <a:p>
+            <a:endParaRPr lang="en-GB" dirty="0">
+              <a:solidFill>
+                <a:srgbClr val="00B0F0"/>
+              </a:solidFill>
+            </a:endParaRPr>
+          </a:p>
+        </p:txBody>
+      </p:sp>
+    </p:spTree>
+    <p:extLst>
+      <p:ext uri="{BB962C8B-B14F-4D97-AF65-F5344CB8AC3E}">
+        <p14:creationId xmlns:p14="http://schemas.microsoft.com/office/powerpoint/2010/main" val="783431808"/>
+      </p:ext>
+    </p:extLst>
+  </p:cSld>
+  <p:clrMapOvr>
+    <a:masterClrMapping/>
+  </p:clrMapOvr>
+</p:sld>
+</file>
+
+<file path=ppt/slides/slide12.xml><?xml version="1.0" encoding="utf-8"?>
+<p:sld xmlns:a="http://schemas.openxmlformats.org/drawingml/2006/main" xmlns:r="http://schemas.openxmlformats.org/officeDocument/2006/relationships" xmlns:p="http://schemas.openxmlformats.org/presentationml/2006/main">
+  <p:cSld>
+    <p:spTree>
+      <p:nvGrpSpPr>
+        <p:cNvPr id="1" name=""/>
+        <p:cNvGrpSpPr/>
+        <p:nvPr/>
+      </p:nvGrpSpPr>
+      <p:grpSpPr>
+        <a:xfrm>
+          <a:off x="0" y="0"/>
+          <a:ext cx="0" cy="0"/>
+          <a:chOff x="0" y="0"/>
+          <a:chExt cx="0" cy="0"/>
+        </a:xfrm>
+      </p:grpSpPr>
+      <p:sp>
+        <p:nvSpPr>
+          <p:cNvPr id="2" name="Title 1">
+            <a:extLst>
+              <a:ext uri="{FF2B5EF4-FFF2-40B4-BE49-F238E27FC236}">
                 <a16:creationId xmlns:a16="http://schemas.microsoft.com/office/drawing/2014/main" id="{AC0FCDC8-5B72-4F98-998E-16017915BBC6}"/>
               </a:ext>
             </a:extLst>
@@ -6111,7 +6366,7 @@
 </p:sld>
 </file>
 
-<file path=ppt/slides/slide12.xml><?xml version="1.0" encoding="utf-8"?>
+<file path=ppt/slides/slide13.xml><?xml version="1.0" encoding="utf-8"?>
 <p:sld xmlns:a="http://schemas.openxmlformats.org/drawingml/2006/main" xmlns:r="http://schemas.openxmlformats.org/officeDocument/2006/relationships" xmlns:p="http://schemas.openxmlformats.org/presentationml/2006/main">
   <p:cSld>
     <p:spTree>
@@ -6276,6 +6531,156 @@
           </a:p>
         </p:txBody>
       </p:sp>
+      <p:pic>
+        <p:nvPicPr>
+          <p:cNvPr id="5" name="Picture 4">
+            <a:extLst>
+              <a:ext uri="{FF2B5EF4-FFF2-40B4-BE49-F238E27FC236}">
+                <a16:creationId xmlns:a16="http://schemas.microsoft.com/office/drawing/2014/main" id="{7A39692C-2F2C-4BC4-9B17-14C6914FDD83}"/>
+              </a:ext>
+            </a:extLst>
+          </p:cNvPr>
+          <p:cNvPicPr>
+            <a:picLocks noChangeAspect="1"/>
+          </p:cNvPicPr>
+          <p:nvPr/>
+        </p:nvPicPr>
+        <p:blipFill>
+          <a:blip r:embed="rId2"/>
+          <a:stretch>
+            <a:fillRect/>
+          </a:stretch>
+        </p:blipFill>
+        <p:spPr>
+          <a:xfrm>
+            <a:off x="677334" y="3804121"/>
+            <a:ext cx="3751231" cy="2873016"/>
+          </a:xfrm>
+          <a:prstGeom prst="rect">
+            <a:avLst/>
+          </a:prstGeom>
+        </p:spPr>
+      </p:pic>
+      <p:pic>
+        <p:nvPicPr>
+          <p:cNvPr id="7" name="Picture 6">
+            <a:extLst>
+              <a:ext uri="{FF2B5EF4-FFF2-40B4-BE49-F238E27FC236}">
+                <a16:creationId xmlns:a16="http://schemas.microsoft.com/office/drawing/2014/main" id="{5EB898A7-9D92-4916-918A-71FF329C452B}"/>
+              </a:ext>
+            </a:extLst>
+          </p:cNvPr>
+          <p:cNvPicPr>
+            <a:picLocks noChangeAspect="1"/>
+          </p:cNvPicPr>
+          <p:nvPr/>
+        </p:nvPicPr>
+        <p:blipFill>
+          <a:blip r:embed="rId3"/>
+          <a:stretch>
+            <a:fillRect/>
+          </a:stretch>
+        </p:blipFill>
+        <p:spPr>
+          <a:xfrm>
+            <a:off x="4597338" y="3804121"/>
+            <a:ext cx="2387723" cy="1663786"/>
+          </a:xfrm>
+          <a:prstGeom prst="rect">
+            <a:avLst/>
+          </a:prstGeom>
+        </p:spPr>
+      </p:pic>
+      <p:pic>
+        <p:nvPicPr>
+          <p:cNvPr id="9" name="Picture 8">
+            <a:extLst>
+              <a:ext uri="{FF2B5EF4-FFF2-40B4-BE49-F238E27FC236}">
+                <a16:creationId xmlns:a16="http://schemas.microsoft.com/office/drawing/2014/main" id="{BB66A1BA-54AC-45E2-BEE7-7490E65C8643}"/>
+              </a:ext>
+            </a:extLst>
+          </p:cNvPr>
+          <p:cNvPicPr>
+            <a:picLocks noChangeAspect="1"/>
+          </p:cNvPicPr>
+          <p:nvPr/>
+        </p:nvPicPr>
+        <p:blipFill>
+          <a:blip r:embed="rId4"/>
+          <a:stretch>
+            <a:fillRect/>
+          </a:stretch>
+        </p:blipFill>
+        <p:spPr>
+          <a:xfrm>
+            <a:off x="4597338" y="5548189"/>
+            <a:ext cx="2387723" cy="1068084"/>
+          </a:xfrm>
+          <a:prstGeom prst="rect">
+            <a:avLst/>
+          </a:prstGeom>
+        </p:spPr>
+      </p:pic>
+      <p:pic>
+        <p:nvPicPr>
+          <p:cNvPr id="11" name="Picture 10">
+            <a:extLst>
+              <a:ext uri="{FF2B5EF4-FFF2-40B4-BE49-F238E27FC236}">
+                <a16:creationId xmlns:a16="http://schemas.microsoft.com/office/drawing/2014/main" id="{7ED88960-6A07-4987-9615-C62676772CA6}"/>
+              </a:ext>
+            </a:extLst>
+          </p:cNvPr>
+          <p:cNvPicPr>
+            <a:picLocks noChangeAspect="1"/>
+          </p:cNvPicPr>
+          <p:nvPr/>
+        </p:nvPicPr>
+        <p:blipFill>
+          <a:blip r:embed="rId5"/>
+          <a:stretch>
+            <a:fillRect/>
+          </a:stretch>
+        </p:blipFill>
+        <p:spPr>
+          <a:xfrm>
+            <a:off x="7153835" y="3784955"/>
+            <a:ext cx="2980766" cy="1682952"/>
+          </a:xfrm>
+          <a:prstGeom prst="rect">
+            <a:avLst/>
+          </a:prstGeom>
+        </p:spPr>
+      </p:pic>
+      <p:pic>
+        <p:nvPicPr>
+          <p:cNvPr id="13" name="Picture 12">
+            <a:extLst>
+              <a:ext uri="{FF2B5EF4-FFF2-40B4-BE49-F238E27FC236}">
+                <a16:creationId xmlns:a16="http://schemas.microsoft.com/office/drawing/2014/main" id="{3FA01326-D849-43E7-AADB-C037B2E31848}"/>
+              </a:ext>
+            </a:extLst>
+          </p:cNvPr>
+          <p:cNvPicPr>
+            <a:picLocks noChangeAspect="1"/>
+          </p:cNvPicPr>
+          <p:nvPr/>
+        </p:nvPicPr>
+        <p:blipFill>
+          <a:blip r:embed="rId6"/>
+          <a:stretch>
+            <a:fillRect/>
+          </a:stretch>
+        </p:blipFill>
+        <p:spPr>
+          <a:xfrm>
+            <a:off x="7153835" y="1184467"/>
+            <a:ext cx="3504640" cy="2485393"/>
+          </a:xfrm>
+          <a:prstGeom prst="rect">
+            <a:avLst/>
+          </a:prstGeom>
+        </p:spPr>
+      </p:pic>
     </p:spTree>
     <p:extLst>
       <p:ext uri="{BB962C8B-B14F-4D97-AF65-F5344CB8AC3E}">
@@ -6306,204 +6711,70 @@
           <a:chExt cx="0" cy="0"/>
         </a:xfrm>
       </p:grpSpPr>
-      <p:sp>
-        <p:nvSpPr>
-          <p:cNvPr id="2" name="Title 1">
+      <p:pic>
+        <p:nvPicPr>
+          <p:cNvPr id="3" name="Picture 2">
             <a:extLst>
               <a:ext uri="{FF2B5EF4-FFF2-40B4-BE49-F238E27FC236}">
-                <a16:creationId xmlns:a16="http://schemas.microsoft.com/office/drawing/2014/main" id="{F0FC9644-B633-4B0E-8BE4-BD1733C3224A}"/>
+                <a16:creationId xmlns:a16="http://schemas.microsoft.com/office/drawing/2014/main" id="{CC6A6E85-4B1B-4C54-8029-6F6EEAB39362}"/>
               </a:ext>
             </a:extLst>
           </p:cNvPr>
-          <p:cNvSpPr>
-            <a:spLocks noGrp="1"/>
-          </p:cNvSpPr>
-          <p:nvPr>
-            <p:ph type="title"/>
-          </p:nvPr>
-        </p:nvSpPr>
-        <p:spPr/>
-        <p:txBody>
-          <a:bodyPr/>
-          <a:lstStyle/>
-          <a:p>
-            <a:r>
-              <a:rPr lang="en-GB" dirty="0"/>
-              <a:t>Sprint Plan</a:t>
-            </a:r>
-          </a:p>
-        </p:txBody>
-      </p:sp>
-      <p:sp>
-        <p:nvSpPr>
-          <p:cNvPr id="4" name="Content Placeholder 3">
+          <p:cNvPicPr>
+            <a:picLocks noChangeAspect="1"/>
+          </p:cNvPicPr>
+          <p:nvPr/>
+        </p:nvPicPr>
+        <p:blipFill>
+          <a:blip r:embed="rId2"/>
+          <a:stretch>
+            <a:fillRect/>
+          </a:stretch>
+        </p:blipFill>
+        <p:spPr>
+          <a:xfrm>
+            <a:off x="412458" y="647649"/>
+            <a:ext cx="5683542" cy="1962251"/>
+          </a:xfrm>
+          <a:prstGeom prst="rect">
+            <a:avLst/>
+          </a:prstGeom>
+        </p:spPr>
+      </p:pic>
+      <p:pic>
+        <p:nvPicPr>
+          <p:cNvPr id="5" name="Picture 4">
             <a:extLst>
               <a:ext uri="{FF2B5EF4-FFF2-40B4-BE49-F238E27FC236}">
-                <a16:creationId xmlns:a16="http://schemas.microsoft.com/office/drawing/2014/main" id="{229B7F1B-559F-4D9A-9310-C502FFAE86FD}"/>
+                <a16:creationId xmlns:a16="http://schemas.microsoft.com/office/drawing/2014/main" id="{74F1999A-8766-44FD-8BC5-EF7769D5FE52}"/>
               </a:ext>
             </a:extLst>
           </p:cNvPr>
-          <p:cNvSpPr>
-            <a:spLocks noGrp="1"/>
-          </p:cNvSpPr>
-          <p:nvPr>
-            <p:ph sz="half" idx="1"/>
-          </p:nvPr>
-        </p:nvSpPr>
-        <p:spPr/>
-        <p:txBody>
-          <a:bodyPr/>
-          <a:lstStyle/>
-          <a:p>
-            <a:r>
-              <a:rPr lang="en-GB" dirty="0">
-                <a:solidFill>
-                  <a:srgbClr val="00B0F0"/>
-                </a:solidFill>
-              </a:rPr>
-              <a:t>What must be included?</a:t>
-            </a:r>
-          </a:p>
-          <a:p>
-            <a:r>
-              <a:rPr lang="en-GB" dirty="0">
-                <a:solidFill>
-                  <a:srgbClr val="00B0F0"/>
-                </a:solidFill>
-              </a:rPr>
-              <a:t>Fully functional HTML pages (navigating from page to page)</a:t>
-            </a:r>
-          </a:p>
-          <a:p>
-            <a:r>
-              <a:rPr lang="en-GB" dirty="0">
-                <a:solidFill>
-                  <a:srgbClr val="00B0F0"/>
-                </a:solidFill>
-              </a:rPr>
-              <a:t>CRUD functionality in </a:t>
-            </a:r>
-            <a:r>
-              <a:rPr lang="en-GB" dirty="0" err="1">
-                <a:solidFill>
-                  <a:srgbClr val="00B0F0"/>
-                </a:solidFill>
-              </a:rPr>
-              <a:t>SpringBoot</a:t>
-            </a:r>
-            <a:r>
-              <a:rPr lang="en-GB" dirty="0">
-                <a:solidFill>
-                  <a:srgbClr val="00B0F0"/>
-                </a:solidFill>
-              </a:rPr>
-              <a:t> and web page</a:t>
-            </a:r>
-          </a:p>
-          <a:p>
-            <a:r>
-              <a:rPr lang="en-GB" dirty="0">
-                <a:solidFill>
-                  <a:srgbClr val="00B0F0"/>
-                </a:solidFill>
-              </a:rPr>
-              <a:t>Selenium testing for front </a:t>
-            </a:r>
-            <a:r>
-              <a:rPr lang="en-GB">
-                <a:solidFill>
-                  <a:srgbClr val="00B0F0"/>
-                </a:solidFill>
-              </a:rPr>
-              <a:t>- end</a:t>
-            </a:r>
-            <a:endParaRPr lang="en-GB" dirty="0">
-              <a:solidFill>
-                <a:srgbClr val="00B0F0"/>
-              </a:solidFill>
-            </a:endParaRPr>
-          </a:p>
-          <a:p>
-            <a:endParaRPr lang="en-GB" dirty="0">
-              <a:solidFill>
-                <a:srgbClr val="00B0F0"/>
-              </a:solidFill>
-            </a:endParaRPr>
-          </a:p>
-        </p:txBody>
-      </p:sp>
-      <p:sp>
-        <p:nvSpPr>
-          <p:cNvPr id="5" name="Content Placeholder 4">
-            <a:extLst>
-              <a:ext uri="{FF2B5EF4-FFF2-40B4-BE49-F238E27FC236}">
-                <a16:creationId xmlns:a16="http://schemas.microsoft.com/office/drawing/2014/main" id="{C240A0F9-B13D-4625-BA17-B5E5829CDF51}"/>
-              </a:ext>
-            </a:extLst>
-          </p:cNvPr>
-          <p:cNvSpPr>
-            <a:spLocks noGrp="1"/>
-          </p:cNvSpPr>
-          <p:nvPr>
-            <p:ph sz="half" idx="2"/>
-          </p:nvPr>
-        </p:nvSpPr>
-        <p:spPr/>
-        <p:txBody>
-          <a:bodyPr/>
-          <a:lstStyle/>
-          <a:p>
-            <a:r>
-              <a:rPr lang="en-GB" dirty="0">
-                <a:solidFill>
-                  <a:srgbClr val="00B0F0"/>
-                </a:solidFill>
-              </a:rPr>
-              <a:t>A working web application page that can use CRUD</a:t>
-            </a:r>
-          </a:p>
-          <a:p>
-            <a:r>
-              <a:rPr lang="en-GB" dirty="0">
-                <a:solidFill>
-                  <a:srgbClr val="00B0F0"/>
-                </a:solidFill>
-              </a:rPr>
-              <a:t>CSS styling (background images)</a:t>
-            </a:r>
-          </a:p>
-          <a:p>
-            <a:r>
-              <a:rPr lang="en-GB" dirty="0">
-                <a:solidFill>
-                  <a:srgbClr val="00B0F0"/>
-                </a:solidFill>
-              </a:rPr>
-              <a:t>Sufficient test coverage from </a:t>
-            </a:r>
-            <a:r>
-              <a:rPr lang="en-GB" dirty="0" err="1">
-                <a:solidFill>
-                  <a:srgbClr val="00B0F0"/>
-                </a:solidFill>
-              </a:rPr>
-              <a:t>SpringBoot</a:t>
-            </a:r>
-            <a:r>
-              <a:rPr lang="en-GB" dirty="0">
-                <a:solidFill>
-                  <a:srgbClr val="00B0F0"/>
-                </a:solidFill>
-              </a:rPr>
-              <a:t> and Selenium</a:t>
-            </a:r>
-          </a:p>
-        </p:txBody>
-      </p:sp>
+          <p:cNvPicPr>
+            <a:picLocks noChangeAspect="1"/>
+          </p:cNvPicPr>
+          <p:nvPr/>
+        </p:nvPicPr>
+        <p:blipFill>
+          <a:blip r:embed="rId3"/>
+          <a:stretch>
+            <a:fillRect/>
+          </a:stretch>
+        </p:blipFill>
+        <p:spPr>
+          <a:xfrm>
+            <a:off x="2987575" y="2962276"/>
+            <a:ext cx="6453964" cy="3470328"/>
+          </a:xfrm>
+          <a:prstGeom prst="rect">
+            <a:avLst/>
+          </a:prstGeom>
+        </p:spPr>
+      </p:pic>
     </p:spTree>
     <p:extLst>
       <p:ext uri="{BB962C8B-B14F-4D97-AF65-F5344CB8AC3E}">
-        <p14:creationId xmlns:p14="http://schemas.microsoft.com/office/powerpoint/2010/main" val="218550173"/>
+        <p14:creationId xmlns:p14="http://schemas.microsoft.com/office/powerpoint/2010/main" val="3096601066"/>
       </p:ext>
     </p:extLst>
   </p:cSld>
@@ -6535,7 +6806,7 @@
           <p:cNvPr id="2" name="Title 1">
             <a:extLst>
               <a:ext uri="{FF2B5EF4-FFF2-40B4-BE49-F238E27FC236}">
-                <a16:creationId xmlns:a16="http://schemas.microsoft.com/office/drawing/2014/main" id="{5046DE4B-EB23-4D3B-A155-0DE281197258}"/>
+                <a16:creationId xmlns:a16="http://schemas.microsoft.com/office/drawing/2014/main" id="{F0FC9644-B633-4B0E-8BE4-BD1733C3224A}"/>
               </a:ext>
             </a:extLst>
           </p:cNvPr>
@@ -6553,17 +6824,17 @@
           <a:p>
             <a:r>
               <a:rPr lang="en-GB" dirty="0"/>
-              <a:t>Consultant Journey</a:t>
-            </a:r>
-          </a:p>
-        </p:txBody>
-      </p:sp>
-      <p:sp>
-        <p:nvSpPr>
-          <p:cNvPr id="3" name="Content Placeholder 2">
+              <a:t>Sprint Plan</a:t>
+            </a:r>
+          </a:p>
+        </p:txBody>
+      </p:sp>
+      <p:sp>
+        <p:nvSpPr>
+          <p:cNvPr id="4" name="Content Placeholder 3">
             <a:extLst>
               <a:ext uri="{FF2B5EF4-FFF2-40B4-BE49-F238E27FC236}">
-                <a16:creationId xmlns:a16="http://schemas.microsoft.com/office/drawing/2014/main" id="{3AA017C5-FF3F-43C7-BA3C-29DF87AC2D5F}"/>
+                <a16:creationId xmlns:a16="http://schemas.microsoft.com/office/drawing/2014/main" id="{229B7F1B-559F-4D9A-9310-C502FFAE86FD}"/>
               </a:ext>
             </a:extLst>
           </p:cNvPr>
@@ -6571,7 +6842,7 @@
             <a:spLocks noGrp="1"/>
           </p:cNvSpPr>
           <p:nvPr>
-            <p:ph idx="1"/>
+            <p:ph sz="half" idx="1"/>
           </p:nvPr>
         </p:nvSpPr>
         <p:spPr/>
@@ -6579,6 +6850,34 @@
           <a:bodyPr/>
           <a:lstStyle/>
           <a:p>
+            <a:r>
+              <a:rPr lang="en-GB" dirty="0">
+                <a:solidFill>
+                  <a:srgbClr val="00B0F0"/>
+                </a:solidFill>
+              </a:rPr>
+              <a:t>What must be included?</a:t>
+            </a:r>
+          </a:p>
+          <a:p>
+            <a:r>
+              <a:rPr lang="en-GB" dirty="0">
+                <a:solidFill>
+                  <a:srgbClr val="00B0F0"/>
+                </a:solidFill>
+              </a:rPr>
+              <a:t>Fully functional HTML pages (navigating from page to page)</a:t>
+            </a:r>
+          </a:p>
+          <a:p>
+            <a:r>
+              <a:rPr lang="en-GB" dirty="0">
+                <a:solidFill>
+                  <a:srgbClr val="00B0F0"/>
+                </a:solidFill>
+              </a:rPr>
+              <a:t>CRUD functionality in </a:t>
+            </a:r>
             <a:r>
               <a:rPr lang="en-GB" dirty="0" err="1">
                 <a:solidFill>
@@ -6593,7 +6892,7 @@
                   <a:srgbClr val="00B0F0"/>
                 </a:solidFill>
               </a:rPr>
-              <a:t> and Selenium (for testing both ends)</a:t>
+              <a:t> and web page</a:t>
             </a:r>
           </a:p>
           <a:p>
@@ -6603,9 +6902,51 @@
                   <a:srgbClr val="00B0F0"/>
                 </a:solidFill>
               </a:rPr>
-              <a:t>Fetch requests in JavaScript</a:t>
-            </a:r>
-          </a:p>
+              <a:t>Selenium testing for front </a:t>
+            </a:r>
+            <a:r>
+              <a:rPr lang="en-GB">
+                <a:solidFill>
+                  <a:srgbClr val="00B0F0"/>
+                </a:solidFill>
+              </a:rPr>
+              <a:t>- end</a:t>
+            </a:r>
+            <a:endParaRPr lang="en-GB" dirty="0">
+              <a:solidFill>
+                <a:srgbClr val="00B0F0"/>
+              </a:solidFill>
+            </a:endParaRPr>
+          </a:p>
+          <a:p>
+            <a:endParaRPr lang="en-GB" dirty="0">
+              <a:solidFill>
+                <a:srgbClr val="00B0F0"/>
+              </a:solidFill>
+            </a:endParaRPr>
+          </a:p>
+        </p:txBody>
+      </p:sp>
+      <p:sp>
+        <p:nvSpPr>
+          <p:cNvPr id="5" name="Content Placeholder 4">
+            <a:extLst>
+              <a:ext uri="{FF2B5EF4-FFF2-40B4-BE49-F238E27FC236}">
+                <a16:creationId xmlns:a16="http://schemas.microsoft.com/office/drawing/2014/main" id="{C240A0F9-B13D-4625-BA17-B5E5829CDF51}"/>
+              </a:ext>
+            </a:extLst>
+          </p:cNvPr>
+          <p:cNvSpPr>
+            <a:spLocks noGrp="1"/>
+          </p:cNvSpPr>
+          <p:nvPr>
+            <p:ph sz="half" idx="2"/>
+          </p:nvPr>
+        </p:nvSpPr>
+        <p:spPr/>
+        <p:txBody>
+          <a:bodyPr/>
+          <a:lstStyle/>
           <a:p>
             <a:r>
               <a:rPr lang="en-GB" dirty="0">
@@ -6613,7 +6954,43 @@
                   <a:srgbClr val="00B0F0"/>
                 </a:solidFill>
               </a:rPr>
-              <a:t>Building up from test classes to writing unit and integration tests</a:t>
+              <a:t>A working web application page that can use CRUD</a:t>
+            </a:r>
+          </a:p>
+          <a:p>
+            <a:r>
+              <a:rPr lang="en-GB" dirty="0">
+                <a:solidFill>
+                  <a:srgbClr val="00B0F0"/>
+                </a:solidFill>
+              </a:rPr>
+              <a:t>CSS styling (background images)</a:t>
+            </a:r>
+          </a:p>
+          <a:p>
+            <a:r>
+              <a:rPr lang="en-GB" dirty="0">
+                <a:solidFill>
+                  <a:srgbClr val="00B0F0"/>
+                </a:solidFill>
+              </a:rPr>
+              <a:t>Sufficient test coverage from </a:t>
+            </a:r>
+            <a:r>
+              <a:rPr lang="en-GB" dirty="0" err="1">
+                <a:solidFill>
+                  <a:srgbClr val="00B0F0"/>
+                </a:solidFill>
+              </a:rPr>
+              <a:t>SpringBoot</a:t>
+            </a:r>
+            <a:r>
+              <a:rPr lang="en-GB" dirty="0">
+                <a:solidFill>
+                  <a:srgbClr val="00B0F0"/>
+                </a:solidFill>
+              </a:rPr>
+              <a:t> and Selenium</a:t>
             </a:r>
           </a:p>
         </p:txBody>
@@ -6621,7 +6998,7 @@
     </p:spTree>
     <p:extLst>
       <p:ext uri="{BB962C8B-B14F-4D97-AF65-F5344CB8AC3E}">
-        <p14:creationId xmlns:p14="http://schemas.microsoft.com/office/powerpoint/2010/main" val="1379111564"/>
+        <p14:creationId xmlns:p14="http://schemas.microsoft.com/office/powerpoint/2010/main" val="218550173"/>
       </p:ext>
     </p:extLst>
   </p:cSld>
@@ -6653,7 +7030,7 @@
           <p:cNvPr id="2" name="Title 1">
             <a:extLst>
               <a:ext uri="{FF2B5EF4-FFF2-40B4-BE49-F238E27FC236}">
-                <a16:creationId xmlns:a16="http://schemas.microsoft.com/office/drawing/2014/main" id="{0CF0829D-34BF-4A7F-A22F-7233B8267BB0}"/>
+                <a16:creationId xmlns:a16="http://schemas.microsoft.com/office/drawing/2014/main" id="{5046DE4B-EB23-4D3B-A155-0DE281197258}"/>
               </a:ext>
             </a:extLst>
           </p:cNvPr>
@@ -6671,7 +7048,7 @@
           <a:p>
             <a:r>
               <a:rPr lang="en-GB" dirty="0"/>
-              <a:t>Version Control Approach</a:t>
+              <a:t>Consultant Journey</a:t>
             </a:r>
           </a:p>
         </p:txBody>
@@ -6681,7 +7058,7 @@
           <p:cNvPr id="3" name="Content Placeholder 2">
             <a:extLst>
               <a:ext uri="{FF2B5EF4-FFF2-40B4-BE49-F238E27FC236}">
-                <a16:creationId xmlns:a16="http://schemas.microsoft.com/office/drawing/2014/main" id="{31555D36-1F7C-4FFE-9751-74C1EB0F2C2C}"/>
+                <a16:creationId xmlns:a16="http://schemas.microsoft.com/office/drawing/2014/main" id="{3AA017C5-FF3F-43C7-BA3C-29DF87AC2D5F}"/>
               </a:ext>
             </a:extLst>
           </p:cNvPr>
@@ -6698,14 +7075,6 @@
           <a:lstStyle/>
           <a:p>
             <a:r>
-              <a:rPr lang="en-GB" dirty="0">
-                <a:solidFill>
-                  <a:srgbClr val="00B0F0"/>
-                </a:solidFill>
-              </a:rPr>
-              <a:t>Being more strict with following the feature branch model when implementing new features to the project (e.g. docs, </a:t>
-            </a:r>
-            <a:r>
               <a:rPr lang="en-GB" dirty="0" err="1">
                 <a:solidFill>
                   <a:srgbClr val="00B0F0"/>
@@ -6719,7 +7088,7 @@
                   <a:srgbClr val="00B0F0"/>
                 </a:solidFill>
               </a:rPr>
-              <a:t>, Selenium, etc)</a:t>
+              <a:t> and Selenium (for testing both ends)</a:t>
             </a:r>
           </a:p>
           <a:p>
@@ -6729,7 +7098,7 @@
                   <a:srgbClr val="00B0F0"/>
                 </a:solidFill>
               </a:rPr>
-              <a:t>Was able to be more thorough with version control by pushing regularly to Git</a:t>
+              <a:t>Fetch requests in JavaScript</a:t>
             </a:r>
           </a:p>
           <a:p>
@@ -6739,7 +7108,7 @@
                   <a:srgbClr val="00B0F0"/>
                 </a:solidFill>
               </a:rPr>
-              <a:t>Included one last general push to GitHub at the end of the day</a:t>
+              <a:t>Building up from test classes to writing unit and integration tests</a:t>
             </a:r>
           </a:p>
         </p:txBody>
@@ -6747,7 +7116,7 @@
     </p:spTree>
     <p:extLst>
       <p:ext uri="{BB962C8B-B14F-4D97-AF65-F5344CB8AC3E}">
-        <p14:creationId xmlns:p14="http://schemas.microsoft.com/office/powerpoint/2010/main" val="2668344315"/>
+        <p14:creationId xmlns:p14="http://schemas.microsoft.com/office/powerpoint/2010/main" val="1379111564"/>
       </p:ext>
     </p:extLst>
   </p:cSld>
@@ -6779,7 +7148,7 @@
           <p:cNvPr id="2" name="Title 1">
             <a:extLst>
               <a:ext uri="{FF2B5EF4-FFF2-40B4-BE49-F238E27FC236}">
-                <a16:creationId xmlns:a16="http://schemas.microsoft.com/office/drawing/2014/main" id="{64CF4547-0A09-4E6C-A6CE-96CACD52B8FD}"/>
+                <a16:creationId xmlns:a16="http://schemas.microsoft.com/office/drawing/2014/main" id="{0CF0829D-34BF-4A7F-A22F-7233B8267BB0}"/>
               </a:ext>
             </a:extLst>
           </p:cNvPr>
@@ -6797,17 +7166,17 @@
           <a:p>
             <a:r>
               <a:rPr lang="en-GB" dirty="0"/>
-              <a:t>Testing</a:t>
-            </a:r>
-          </a:p>
-        </p:txBody>
-      </p:sp>
-      <p:sp>
-        <p:nvSpPr>
-          <p:cNvPr id="4" name="Content Placeholder 3">
+              <a:t>Version Control Approach</a:t>
+            </a:r>
+          </a:p>
+        </p:txBody>
+      </p:sp>
+      <p:sp>
+        <p:nvSpPr>
+          <p:cNvPr id="3" name="Content Placeholder 2">
             <a:extLst>
               <a:ext uri="{FF2B5EF4-FFF2-40B4-BE49-F238E27FC236}">
-                <a16:creationId xmlns:a16="http://schemas.microsoft.com/office/drawing/2014/main" id="{37CB2EBE-AAD0-4405-8D37-113937DA9AE4}"/>
+                <a16:creationId xmlns:a16="http://schemas.microsoft.com/office/drawing/2014/main" id="{31555D36-1F7C-4FFE-9751-74C1EB0F2C2C}"/>
               </a:ext>
             </a:extLst>
           </p:cNvPr>
@@ -6815,10 +7184,15 @@
             <a:spLocks noGrp="1"/>
           </p:cNvSpPr>
           <p:nvPr>
-            <p:ph sz="half" idx="1"/>
-          </p:nvPr>
-        </p:nvSpPr>
-        <p:spPr/>
+            <p:ph idx="1"/>
+          </p:nvPr>
+        </p:nvSpPr>
+        <p:spPr>
+          <a:xfrm>
+            <a:off x="677334" y="1517273"/>
+            <a:ext cx="8596668" cy="3880773"/>
+          </a:xfrm>
+        </p:spPr>
         <p:txBody>
           <a:bodyPr/>
           <a:lstStyle/>
@@ -6829,33 +7203,43 @@
                   <a:srgbClr val="00B0F0"/>
                 </a:solidFill>
               </a:rPr>
-              <a:t>Front – end was tested by opening a live server on VS</a:t>
-            </a:r>
-          </a:p>
-          <a:p>
+              <a:t>Being more strict with following the feature branch model when implementing new features to the project (e.g. docs, </a:t>
+            </a:r>
+            <a:r>
+              <a:rPr lang="en-GB" dirty="0" err="1">
+                <a:solidFill>
+                  <a:srgbClr val="00B0F0"/>
+                </a:solidFill>
+              </a:rPr>
+              <a:t>SpringBoot</a:t>
+            </a:r>
             <a:r>
               <a:rPr lang="en-GB" dirty="0">
                 <a:solidFill>
                   <a:srgbClr val="00B0F0"/>
                 </a:solidFill>
               </a:rPr>
-              <a:t>Changed to Selenium by using </a:t>
-            </a:r>
-            <a:r>
-              <a:rPr lang="en-GB" dirty="0" err="1">
+              <a:t>, Selenium, etc)</a:t>
+            </a:r>
+          </a:p>
+          <a:p>
+            <a:r>
+              <a:rPr lang="en-GB" dirty="0">
                 <a:solidFill>
                   <a:srgbClr val="00B0F0"/>
                 </a:solidFill>
               </a:rPr>
-              <a:t>ChromeDriver</a:t>
-            </a:r>
+              <a:t>Was able to be more thorough with version control by pushing regularly to Git</a:t>
+            </a:r>
+          </a:p>
+          <a:p>
             <a:r>
               <a:rPr lang="en-GB" dirty="0">
                 <a:solidFill>
                   <a:srgbClr val="00B0F0"/>
                 </a:solidFill>
               </a:rPr>
-              <a:t> and running the tests</a:t>
+              <a:t>Included one last general push to GitHub at the end of the day</a:t>
             </a:r>
           </a:p>
           <a:p>
@@ -6865,80 +7249,75 @@
                   <a:srgbClr val="00B0F0"/>
                 </a:solidFill>
               </a:rPr>
-              <a:t>Selenium tests are complete and fully operational</a:t>
-            </a:r>
-          </a:p>
-        </p:txBody>
-      </p:sp>
-      <p:sp>
-        <p:nvSpPr>
-          <p:cNvPr id="5" name="Content Placeholder 4">
+              <a:t>Included a folder containing all screenshots of every push to GitHub in docs folder</a:t>
+            </a:r>
+          </a:p>
+        </p:txBody>
+      </p:sp>
+      <p:pic>
+        <p:nvPicPr>
+          <p:cNvPr id="4" name="Picture 3">
             <a:extLst>
               <a:ext uri="{FF2B5EF4-FFF2-40B4-BE49-F238E27FC236}">
-                <a16:creationId xmlns:a16="http://schemas.microsoft.com/office/drawing/2014/main" id="{49499A84-AA79-4D46-8574-156120D01370}"/>
+                <a16:creationId xmlns:a16="http://schemas.microsoft.com/office/drawing/2014/main" id="{52E17BE8-B159-4BA2-85E6-D822C84DC3C4}"/>
               </a:ext>
             </a:extLst>
           </p:cNvPr>
-          <p:cNvSpPr>
-            <a:spLocks noGrp="1"/>
-          </p:cNvSpPr>
-          <p:nvPr>
-            <p:ph sz="half" idx="2"/>
-          </p:nvPr>
-        </p:nvSpPr>
-        <p:spPr/>
-        <p:txBody>
-          <a:bodyPr/>
-          <a:lstStyle/>
-          <a:p>
-            <a:r>
-              <a:rPr lang="en-GB" dirty="0">
-                <a:solidFill>
-                  <a:srgbClr val="00B0F0"/>
-                </a:solidFill>
-              </a:rPr>
-              <a:t>Back – end testing was done initially by running Spring from the terminal and using Postman</a:t>
-            </a:r>
-          </a:p>
-          <a:p>
-            <a:r>
-              <a:rPr lang="en-GB" dirty="0">
-                <a:solidFill>
-                  <a:srgbClr val="00B0F0"/>
-                </a:solidFill>
-              </a:rPr>
-              <a:t>Changed to unit and integration tests on </a:t>
-            </a:r>
-            <a:r>
-              <a:rPr lang="en-GB" dirty="0" err="1">
-                <a:solidFill>
-                  <a:srgbClr val="00B0F0"/>
-                </a:solidFill>
-              </a:rPr>
-              <a:t>SpringBoot</a:t>
-            </a:r>
-            <a:endParaRPr lang="en-GB" dirty="0">
-              <a:solidFill>
-                <a:srgbClr val="00B0F0"/>
-              </a:solidFill>
-            </a:endParaRPr>
-          </a:p>
-          <a:p>
-            <a:r>
-              <a:rPr lang="en-GB" dirty="0">
-                <a:solidFill>
-                  <a:srgbClr val="00B0F0"/>
-                </a:solidFill>
-              </a:rPr>
-              <a:t>Coverage currently at 42.1 % due to problems (should improve before submission)</a:t>
-            </a:r>
-          </a:p>
-        </p:txBody>
-      </p:sp>
+          <p:cNvPicPr>
+            <a:picLocks noChangeAspect="1"/>
+          </p:cNvPicPr>
+          <p:nvPr/>
+        </p:nvPicPr>
+        <p:blipFill>
+          <a:blip r:embed="rId2"/>
+          <a:stretch>
+            <a:fillRect/>
+          </a:stretch>
+        </p:blipFill>
+        <p:spPr>
+          <a:xfrm>
+            <a:off x="677334" y="4166694"/>
+            <a:ext cx="4681538" cy="2462705"/>
+          </a:xfrm>
+          <a:prstGeom prst="rect">
+            <a:avLst/>
+          </a:prstGeom>
+        </p:spPr>
+      </p:pic>
+      <p:pic>
+        <p:nvPicPr>
+          <p:cNvPr id="5" name="Picture 4">
+            <a:extLst>
+              <a:ext uri="{FF2B5EF4-FFF2-40B4-BE49-F238E27FC236}">
+                <a16:creationId xmlns:a16="http://schemas.microsoft.com/office/drawing/2014/main" id="{40056345-CB39-494E-84D8-5A16C4297A53}"/>
+              </a:ext>
+            </a:extLst>
+          </p:cNvPr>
+          <p:cNvPicPr>
+            <a:picLocks noChangeAspect="1"/>
+          </p:cNvPicPr>
+          <p:nvPr/>
+        </p:nvPicPr>
+        <p:blipFill>
+          <a:blip r:embed="rId3"/>
+          <a:stretch>
+            <a:fillRect/>
+          </a:stretch>
+        </p:blipFill>
+        <p:spPr>
+          <a:xfrm>
+            <a:off x="5986462" y="4006381"/>
+            <a:ext cx="4681538" cy="2673662"/>
+          </a:xfrm>
+          <a:prstGeom prst="rect">
+            <a:avLst/>
+          </a:prstGeom>
+        </p:spPr>
+      </p:pic>
     </p:spTree>
     <p:extLst>
       <p:ext uri="{BB962C8B-B14F-4D97-AF65-F5344CB8AC3E}">
-        <p14:creationId xmlns:p14="http://schemas.microsoft.com/office/powerpoint/2010/main" val="3131417017"/>
+        <p14:creationId xmlns:p14="http://schemas.microsoft.com/office/powerpoint/2010/main" val="2668344315"/>
       </p:ext>
     </p:extLst>
   </p:cSld>
@@ -6970,7 +7349,7 @@
           <p:cNvPr id="2" name="Title 1">
             <a:extLst>
               <a:ext uri="{FF2B5EF4-FFF2-40B4-BE49-F238E27FC236}">
-                <a16:creationId xmlns:a16="http://schemas.microsoft.com/office/drawing/2014/main" id="{C49D15D5-7C0C-49BF-8B50-4CE8791DD374}"/>
+                <a16:creationId xmlns:a16="http://schemas.microsoft.com/office/drawing/2014/main" id="{64CF4547-0A09-4E6C-A6CE-96CACD52B8FD}"/>
               </a:ext>
             </a:extLst>
           </p:cNvPr>
@@ -6988,17 +7367,17 @@
           <a:p>
             <a:r>
               <a:rPr lang="en-GB" dirty="0"/>
-              <a:t>Demonstration</a:t>
-            </a:r>
-          </a:p>
-        </p:txBody>
-      </p:sp>
-      <p:sp>
-        <p:nvSpPr>
-          <p:cNvPr id="3" name="Content Placeholder 2">
+              <a:t>Testing</a:t>
+            </a:r>
+          </a:p>
+        </p:txBody>
+      </p:sp>
+      <p:sp>
+        <p:nvSpPr>
+          <p:cNvPr id="4" name="Content Placeholder 3">
             <a:extLst>
               <a:ext uri="{FF2B5EF4-FFF2-40B4-BE49-F238E27FC236}">
-                <a16:creationId xmlns:a16="http://schemas.microsoft.com/office/drawing/2014/main" id="{19393196-AE27-4CDA-8663-4AEB040FA1E5}"/>
+                <a16:creationId xmlns:a16="http://schemas.microsoft.com/office/drawing/2014/main" id="{37CB2EBE-AAD0-4405-8D37-113937DA9AE4}"/>
               </a:ext>
             </a:extLst>
           </p:cNvPr>
@@ -7006,7 +7385,7 @@
             <a:spLocks noGrp="1"/>
           </p:cNvSpPr>
           <p:nvPr>
-            <p:ph idx="1"/>
+            <p:ph sz="half" idx="1"/>
           </p:nvPr>
         </p:nvSpPr>
         <p:spPr/>
@@ -7020,7 +7399,7 @@
                   <a:srgbClr val="00B0F0"/>
                 </a:solidFill>
               </a:rPr>
-              <a:t>User stories I will cover on web page:</a:t>
+              <a:t>Front – end was tested by opening a live server on VS</a:t>
             </a:r>
           </a:p>
           <a:p>
@@ -7030,17 +7409,23 @@
                   <a:srgbClr val="00B0F0"/>
                 </a:solidFill>
               </a:rPr>
-              <a:t>CREATE and READ boat clubs</a:t>
-            </a:r>
-          </a:p>
-          <a:p>
+              <a:t>Changed to Selenium by using </a:t>
+            </a:r>
+            <a:r>
+              <a:rPr lang="en-GB" dirty="0" err="1">
+                <a:solidFill>
+                  <a:srgbClr val="00B0F0"/>
+                </a:solidFill>
+              </a:rPr>
+              <a:t>ChromeDriver</a:t>
+            </a:r>
             <a:r>
               <a:rPr lang="en-GB" dirty="0">
                 <a:solidFill>
                   <a:srgbClr val="00B0F0"/>
                 </a:solidFill>
               </a:rPr>
-              <a:t>CREATE boats</a:t>
+              <a:t> and running the tests</a:t>
             </a:r>
           </a:p>
           <a:p>
@@ -7050,9 +7435,31 @@
                   <a:srgbClr val="00B0F0"/>
                 </a:solidFill>
               </a:rPr>
-              <a:t>UPDATE a boat club</a:t>
-            </a:r>
-          </a:p>
+              <a:t>Selenium tests are complete and fully operational</a:t>
+            </a:r>
+          </a:p>
+        </p:txBody>
+      </p:sp>
+      <p:sp>
+        <p:nvSpPr>
+          <p:cNvPr id="5" name="Content Placeholder 4">
+            <a:extLst>
+              <a:ext uri="{FF2B5EF4-FFF2-40B4-BE49-F238E27FC236}">
+                <a16:creationId xmlns:a16="http://schemas.microsoft.com/office/drawing/2014/main" id="{49499A84-AA79-4D46-8574-156120D01370}"/>
+              </a:ext>
+            </a:extLst>
+          </p:cNvPr>
+          <p:cNvSpPr>
+            <a:spLocks noGrp="1"/>
+          </p:cNvSpPr>
+          <p:nvPr>
+            <p:ph sz="half" idx="2"/>
+          </p:nvPr>
+        </p:nvSpPr>
+        <p:spPr/>
+        <p:txBody>
+          <a:bodyPr/>
+          <a:lstStyle/>
           <a:p>
             <a:r>
               <a:rPr lang="en-GB" dirty="0">
@@ -7060,15 +7467,78 @@
                   <a:srgbClr val="00B0F0"/>
                 </a:solidFill>
               </a:rPr>
-              <a:t>DELETE a boat</a:t>
-            </a:r>
-          </a:p>
-        </p:txBody>
-      </p:sp>
+              <a:t>Back – end testing was done initially by running Spring from the terminal and using Postman</a:t>
+            </a:r>
+          </a:p>
+          <a:p>
+            <a:r>
+              <a:rPr lang="en-GB" dirty="0">
+                <a:solidFill>
+                  <a:srgbClr val="00B0F0"/>
+                </a:solidFill>
+              </a:rPr>
+              <a:t>Changed to unit and integration tests on </a:t>
+            </a:r>
+            <a:r>
+              <a:rPr lang="en-GB" dirty="0" err="1">
+                <a:solidFill>
+                  <a:srgbClr val="00B0F0"/>
+                </a:solidFill>
+              </a:rPr>
+              <a:t>SpringBoot</a:t>
+            </a:r>
+            <a:endParaRPr lang="en-GB" dirty="0">
+              <a:solidFill>
+                <a:srgbClr val="00B0F0"/>
+              </a:solidFill>
+            </a:endParaRPr>
+          </a:p>
+          <a:p>
+            <a:r>
+              <a:rPr lang="en-GB" dirty="0">
+                <a:solidFill>
+                  <a:srgbClr val="00B0F0"/>
+                </a:solidFill>
+              </a:rPr>
+              <a:t>Coverage currently at 42.1 % due to problems (should improve before submission)</a:t>
+            </a:r>
+          </a:p>
+        </p:txBody>
+      </p:sp>
+      <p:pic>
+        <p:nvPicPr>
+          <p:cNvPr id="3" name="Picture 2">
+            <a:extLst>
+              <a:ext uri="{FF2B5EF4-FFF2-40B4-BE49-F238E27FC236}">
+                <a16:creationId xmlns:a16="http://schemas.microsoft.com/office/drawing/2014/main" id="{5A833D07-AE69-4241-BA08-E65BFF9A0805}"/>
+              </a:ext>
+            </a:extLst>
+          </p:cNvPr>
+          <p:cNvPicPr>
+            <a:picLocks noChangeAspect="1"/>
+          </p:cNvPicPr>
+          <p:nvPr/>
+        </p:nvPicPr>
+        <p:blipFill>
+          <a:blip r:embed="rId2"/>
+          <a:stretch>
+            <a:fillRect/>
+          </a:stretch>
+        </p:blipFill>
+        <p:spPr>
+          <a:xfrm>
+            <a:off x="802660" y="4193266"/>
+            <a:ext cx="4058709" cy="2517096"/>
+          </a:xfrm>
+          <a:prstGeom prst="rect">
+            <a:avLst/>
+          </a:prstGeom>
+        </p:spPr>
+      </p:pic>
     </p:spTree>
     <p:extLst>
       <p:ext uri="{BB962C8B-B14F-4D97-AF65-F5344CB8AC3E}">
-        <p14:creationId xmlns:p14="http://schemas.microsoft.com/office/powerpoint/2010/main" val="3578841216"/>
+        <p14:creationId xmlns:p14="http://schemas.microsoft.com/office/powerpoint/2010/main" val="3131417017"/>
       </p:ext>
     </p:extLst>
   </p:cSld>
@@ -7100,7 +7570,7 @@
           <p:cNvPr id="2" name="Title 1">
             <a:extLst>
               <a:ext uri="{FF2B5EF4-FFF2-40B4-BE49-F238E27FC236}">
-                <a16:creationId xmlns:a16="http://schemas.microsoft.com/office/drawing/2014/main" id="{38AAEDB9-30E0-42FF-939D-4971A85D75E5}"/>
+                <a16:creationId xmlns:a16="http://schemas.microsoft.com/office/drawing/2014/main" id="{C49D15D5-7C0C-49BF-8B50-4CE8791DD374}"/>
               </a:ext>
             </a:extLst>
           </p:cNvPr>
@@ -7118,17 +7588,17 @@
           <a:p>
             <a:r>
               <a:rPr lang="en-GB" dirty="0"/>
-              <a:t>Sprint Review</a:t>
-            </a:r>
-          </a:p>
-        </p:txBody>
-      </p:sp>
-      <p:sp>
-        <p:nvSpPr>
-          <p:cNvPr id="3" name="Text Placeholder 2">
+              <a:t>Demonstration</a:t>
+            </a:r>
+          </a:p>
+        </p:txBody>
+      </p:sp>
+      <p:sp>
+        <p:nvSpPr>
+          <p:cNvPr id="3" name="Content Placeholder 2">
             <a:extLst>
               <a:ext uri="{FF2B5EF4-FFF2-40B4-BE49-F238E27FC236}">
-                <a16:creationId xmlns:a16="http://schemas.microsoft.com/office/drawing/2014/main" id="{BAD5027C-C1E5-4226-8D9D-192E631FED5A}"/>
+                <a16:creationId xmlns:a16="http://schemas.microsoft.com/office/drawing/2014/main" id="{19393196-AE27-4CDA-8663-4AEB040FA1E5}"/>
               </a:ext>
             </a:extLst>
           </p:cNvPr>
@@ -7136,7 +7606,7 @@
             <a:spLocks noGrp="1"/>
           </p:cNvSpPr>
           <p:nvPr>
-            <p:ph type="body" idx="1"/>
+            <p:ph idx="1"/>
           </p:nvPr>
         </p:nvSpPr>
         <p:spPr/>
@@ -7150,243 +7620,205 @@
                   <a:srgbClr val="00B0F0"/>
                 </a:solidFill>
               </a:rPr>
-              <a:t>Managed to complete:</a:t>
-            </a:r>
-          </a:p>
-        </p:txBody>
-      </p:sp>
-      <p:sp>
-        <p:nvSpPr>
-          <p:cNvPr id="4" name="Content Placeholder 3">
+              <a:t>User stories I will cover on web page:</a:t>
+            </a:r>
+          </a:p>
+          <a:p>
+            <a:r>
+              <a:rPr lang="en-GB" dirty="0">
+                <a:solidFill>
+                  <a:srgbClr val="00B0F0"/>
+                </a:solidFill>
+              </a:rPr>
+              <a:t>CREATE and READ boat clubs</a:t>
+            </a:r>
+          </a:p>
+          <a:p>
+            <a:r>
+              <a:rPr lang="en-GB" dirty="0">
+                <a:solidFill>
+                  <a:srgbClr val="00B0F0"/>
+                </a:solidFill>
+              </a:rPr>
+              <a:t>CREATE boats</a:t>
+            </a:r>
+          </a:p>
+          <a:p>
+            <a:r>
+              <a:rPr lang="en-GB" dirty="0">
+                <a:solidFill>
+                  <a:srgbClr val="00B0F0"/>
+                </a:solidFill>
+              </a:rPr>
+              <a:t>UPDATE a boat club</a:t>
+            </a:r>
+          </a:p>
+          <a:p>
+            <a:r>
+              <a:rPr lang="en-GB" dirty="0">
+                <a:solidFill>
+                  <a:srgbClr val="00B0F0"/>
+                </a:solidFill>
+              </a:rPr>
+              <a:t>DELETE a boat</a:t>
+            </a:r>
+          </a:p>
+        </p:txBody>
+      </p:sp>
+      <p:pic>
+        <p:nvPicPr>
+          <p:cNvPr id="5" name="Picture 4">
             <a:extLst>
               <a:ext uri="{FF2B5EF4-FFF2-40B4-BE49-F238E27FC236}">
-                <a16:creationId xmlns:a16="http://schemas.microsoft.com/office/drawing/2014/main" id="{95ADDBD1-E0EA-4129-A934-78D23BC9D9C3}"/>
+                <a16:creationId xmlns:a16="http://schemas.microsoft.com/office/drawing/2014/main" id="{8A72AC8C-00B3-48AC-902E-AF1AD5F4EEDF}"/>
               </a:ext>
             </a:extLst>
           </p:cNvPr>
-          <p:cNvSpPr>
-            <a:spLocks noGrp="1"/>
-          </p:cNvSpPr>
-          <p:nvPr>
-            <p:ph sz="half" idx="2"/>
-          </p:nvPr>
-        </p:nvSpPr>
-        <p:spPr/>
-        <p:txBody>
-          <a:bodyPr>
-            <a:normAutofit fontScale="92500" lnSpcReduction="10000"/>
-          </a:bodyPr>
-          <a:lstStyle/>
-          <a:p>
-            <a:r>
-              <a:rPr lang="en-GB" dirty="0">
-                <a:solidFill>
-                  <a:srgbClr val="00B0F0"/>
-                </a:solidFill>
-              </a:rPr>
-              <a:t>Fully functional web page (able to use CRUD)</a:t>
-            </a:r>
-          </a:p>
-          <a:p>
-            <a:r>
-              <a:rPr lang="en-GB" dirty="0">
-                <a:solidFill>
-                  <a:srgbClr val="00B0F0"/>
-                </a:solidFill>
-              </a:rPr>
-              <a:t>Controllers, services, domains for Boat and </a:t>
-            </a:r>
-            <a:r>
-              <a:rPr lang="en-GB" dirty="0" err="1">
-                <a:solidFill>
-                  <a:srgbClr val="00B0F0"/>
-                </a:solidFill>
-              </a:rPr>
-              <a:t>BoatClub</a:t>
-            </a:r>
-            <a:r>
-              <a:rPr lang="en-GB" dirty="0">
-                <a:solidFill>
-                  <a:srgbClr val="00B0F0"/>
-                </a:solidFill>
-              </a:rPr>
-              <a:t> classes on </a:t>
-            </a:r>
-            <a:r>
-              <a:rPr lang="en-GB" dirty="0" err="1">
-                <a:solidFill>
-                  <a:srgbClr val="00B0F0"/>
-                </a:solidFill>
-              </a:rPr>
-              <a:t>SpringBoot</a:t>
-            </a:r>
-            <a:endParaRPr lang="en-GB" dirty="0">
-              <a:solidFill>
-                <a:srgbClr val="00B0F0"/>
-              </a:solidFill>
-            </a:endParaRPr>
-          </a:p>
-          <a:p>
-            <a:r>
-              <a:rPr lang="en-GB" dirty="0">
-                <a:solidFill>
-                  <a:srgbClr val="00B0F0"/>
-                </a:solidFill>
-              </a:rPr>
-              <a:t>Documentation (Risk assessment, ER and UML diagram)</a:t>
-            </a:r>
-          </a:p>
-          <a:p>
-            <a:r>
-              <a:rPr lang="en-GB" dirty="0">
-                <a:solidFill>
-                  <a:srgbClr val="00B0F0"/>
-                </a:solidFill>
-              </a:rPr>
-              <a:t>Mostly completed Jira board</a:t>
-            </a:r>
-          </a:p>
-          <a:p>
-            <a:r>
-              <a:rPr lang="en-GB" dirty="0">
-                <a:solidFill>
-                  <a:srgbClr val="00B0F0"/>
-                </a:solidFill>
-              </a:rPr>
-              <a:t>Selenium tests</a:t>
-            </a:r>
-          </a:p>
-          <a:p>
-            <a:r>
-              <a:rPr lang="en-GB" dirty="0">
-                <a:solidFill>
-                  <a:srgbClr val="00B0F0"/>
-                </a:solidFill>
-              </a:rPr>
-              <a:t>Fully working HTML and JS, sufficient styling using CSS</a:t>
-            </a:r>
-          </a:p>
-        </p:txBody>
-      </p:sp>
-      <p:sp>
-        <p:nvSpPr>
-          <p:cNvPr id="5" name="Text Placeholder 4">
+          <p:cNvPicPr>
+            <a:picLocks noChangeAspect="1"/>
+          </p:cNvPicPr>
+          <p:nvPr/>
+        </p:nvPicPr>
+        <p:blipFill>
+          <a:blip r:embed="rId2"/>
+          <a:stretch>
+            <a:fillRect/>
+          </a:stretch>
+        </p:blipFill>
+        <p:spPr>
+          <a:xfrm>
+            <a:off x="761909" y="4273523"/>
+            <a:ext cx="3524431" cy="1035103"/>
+          </a:xfrm>
+          <a:prstGeom prst="rect">
+            <a:avLst/>
+          </a:prstGeom>
+        </p:spPr>
+      </p:pic>
+      <p:pic>
+        <p:nvPicPr>
+          <p:cNvPr id="7" name="Picture 6">
             <a:extLst>
               <a:ext uri="{FF2B5EF4-FFF2-40B4-BE49-F238E27FC236}">
-                <a16:creationId xmlns:a16="http://schemas.microsoft.com/office/drawing/2014/main" id="{E90EE3F8-5791-47BA-895F-42037F2B6DF5}"/>
+                <a16:creationId xmlns:a16="http://schemas.microsoft.com/office/drawing/2014/main" id="{9C92B38F-60E7-44AA-8DA7-C1635E4BEA85}"/>
               </a:ext>
             </a:extLst>
           </p:cNvPr>
-          <p:cNvSpPr>
-            <a:spLocks noGrp="1"/>
-          </p:cNvSpPr>
-          <p:nvPr>
-            <p:ph type="body" sz="quarter" idx="3"/>
-          </p:nvPr>
-        </p:nvSpPr>
-        <p:spPr/>
-        <p:txBody>
-          <a:bodyPr/>
-          <a:lstStyle/>
-          <a:p>
-            <a:r>
-              <a:rPr lang="en-GB" dirty="0">
-                <a:solidFill>
-                  <a:srgbClr val="00B0F0"/>
-                </a:solidFill>
-              </a:rPr>
-              <a:t>Remaining tasks:</a:t>
-            </a:r>
-          </a:p>
-        </p:txBody>
-      </p:sp>
-      <p:sp>
-        <p:nvSpPr>
-          <p:cNvPr id="6" name="Content Placeholder 5">
+          <p:cNvPicPr>
+            <a:picLocks noChangeAspect="1"/>
+          </p:cNvPicPr>
+          <p:nvPr/>
+        </p:nvPicPr>
+        <p:blipFill>
+          <a:blip r:embed="rId3"/>
+          <a:stretch>
+            <a:fillRect/>
+          </a:stretch>
+        </p:blipFill>
+        <p:spPr>
+          <a:xfrm>
+            <a:off x="761909" y="5448831"/>
+            <a:ext cx="3664138" cy="958899"/>
+          </a:xfrm>
+          <a:prstGeom prst="rect">
+            <a:avLst/>
+          </a:prstGeom>
+        </p:spPr>
+      </p:pic>
+      <p:pic>
+        <p:nvPicPr>
+          <p:cNvPr id="9" name="Picture 8">
             <a:extLst>
               <a:ext uri="{FF2B5EF4-FFF2-40B4-BE49-F238E27FC236}">
-                <a16:creationId xmlns:a16="http://schemas.microsoft.com/office/drawing/2014/main" id="{8A9301E1-2D0E-4049-BC60-94942939737A}"/>
+                <a16:creationId xmlns:a16="http://schemas.microsoft.com/office/drawing/2014/main" id="{D4FB238C-52B9-45F1-856E-204A83844D8C}"/>
               </a:ext>
             </a:extLst>
           </p:cNvPr>
-          <p:cNvSpPr>
-            <a:spLocks noGrp="1"/>
-          </p:cNvSpPr>
-          <p:nvPr>
-            <p:ph sz="quarter" idx="4"/>
-          </p:nvPr>
-        </p:nvSpPr>
-        <p:spPr/>
-        <p:txBody>
-          <a:bodyPr>
-            <a:normAutofit fontScale="92500" lnSpcReduction="10000"/>
-          </a:bodyPr>
-          <a:lstStyle/>
-          <a:p>
-            <a:r>
-              <a:rPr lang="en-GB" dirty="0">
-                <a:solidFill>
-                  <a:srgbClr val="00B0F0"/>
-                </a:solidFill>
-              </a:rPr>
-              <a:t>Fat .jar files for Selenium and </a:t>
-            </a:r>
-            <a:r>
-              <a:rPr lang="en-GB" dirty="0" err="1">
-                <a:solidFill>
-                  <a:srgbClr val="00B0F0"/>
-                </a:solidFill>
-              </a:rPr>
-              <a:t>SpringBoot</a:t>
-            </a:r>
-            <a:endParaRPr lang="en-GB" dirty="0">
-              <a:solidFill>
-                <a:srgbClr val="00B0F0"/>
-              </a:solidFill>
-            </a:endParaRPr>
-          </a:p>
-          <a:p>
-            <a:r>
-              <a:rPr lang="en-GB" dirty="0">
-                <a:solidFill>
-                  <a:srgbClr val="00B0F0"/>
-                </a:solidFill>
-              </a:rPr>
-              <a:t>Merging final version from dev to main branch on GitHub</a:t>
-            </a:r>
-          </a:p>
-          <a:p>
-            <a:r>
-              <a:rPr lang="en-GB" dirty="0">
-                <a:solidFill>
-                  <a:srgbClr val="00B0F0"/>
-                </a:solidFill>
-              </a:rPr>
-              <a:t>Integration tests for </a:t>
-            </a:r>
-            <a:r>
-              <a:rPr lang="en-GB" dirty="0" err="1">
-                <a:solidFill>
-                  <a:srgbClr val="00B0F0"/>
-                </a:solidFill>
-              </a:rPr>
-              <a:t>BoatController</a:t>
-            </a:r>
-            <a:r>
-              <a:rPr lang="en-GB" dirty="0">
-                <a:solidFill>
-                  <a:srgbClr val="00B0F0"/>
-                </a:solidFill>
-              </a:rPr>
-              <a:t> due to problems</a:t>
-            </a:r>
-          </a:p>
-        </p:txBody>
-      </p:sp>
+          <p:cNvPicPr>
+            <a:picLocks noChangeAspect="1"/>
+          </p:cNvPicPr>
+          <p:nvPr/>
+        </p:nvPicPr>
+        <p:blipFill>
+          <a:blip r:embed="rId4"/>
+          <a:stretch>
+            <a:fillRect/>
+          </a:stretch>
+        </p:blipFill>
+        <p:spPr>
+          <a:xfrm>
+            <a:off x="4571912" y="4273523"/>
+            <a:ext cx="3410125" cy="971600"/>
+          </a:xfrm>
+          <a:prstGeom prst="rect">
+            <a:avLst/>
+          </a:prstGeom>
+        </p:spPr>
+      </p:pic>
+      <p:pic>
+        <p:nvPicPr>
+          <p:cNvPr id="11" name="Picture 10">
+            <a:extLst>
+              <a:ext uri="{FF2B5EF4-FFF2-40B4-BE49-F238E27FC236}">
+                <a16:creationId xmlns:a16="http://schemas.microsoft.com/office/drawing/2014/main" id="{417DDB0C-E83D-47C9-A788-BE79F14EEE88}"/>
+              </a:ext>
+            </a:extLst>
+          </p:cNvPr>
+          <p:cNvPicPr>
+            <a:picLocks noChangeAspect="1"/>
+          </p:cNvPicPr>
+          <p:nvPr/>
+        </p:nvPicPr>
+        <p:blipFill>
+          <a:blip r:embed="rId5"/>
+          <a:stretch>
+            <a:fillRect/>
+          </a:stretch>
+        </p:blipFill>
+        <p:spPr>
+          <a:xfrm>
+            <a:off x="4571912" y="5448831"/>
+            <a:ext cx="3530781" cy="971600"/>
+          </a:xfrm>
+          <a:prstGeom prst="rect">
+            <a:avLst/>
+          </a:prstGeom>
+        </p:spPr>
+      </p:pic>
+      <p:pic>
+        <p:nvPicPr>
+          <p:cNvPr id="13" name="Picture 12">
+            <a:extLst>
+              <a:ext uri="{FF2B5EF4-FFF2-40B4-BE49-F238E27FC236}">
+                <a16:creationId xmlns:a16="http://schemas.microsoft.com/office/drawing/2014/main" id="{69C0D25C-4E1B-4C1F-9318-96CE330A5D32}"/>
+              </a:ext>
+            </a:extLst>
+          </p:cNvPr>
+          <p:cNvPicPr>
+            <a:picLocks noChangeAspect="1"/>
+          </p:cNvPicPr>
+          <p:nvPr/>
+        </p:nvPicPr>
+        <p:blipFill>
+          <a:blip r:embed="rId6"/>
+          <a:stretch>
+            <a:fillRect/>
+          </a:stretch>
+        </p:blipFill>
+        <p:spPr>
+          <a:xfrm>
+            <a:off x="8378735" y="4791074"/>
+            <a:ext cx="3473629" cy="1149409"/>
+          </a:xfrm>
+          <a:prstGeom prst="rect">
+            <a:avLst/>
+          </a:prstGeom>
+        </p:spPr>
+      </p:pic>
     </p:spTree>
     <p:extLst>
       <p:ext uri="{BB962C8B-B14F-4D97-AF65-F5344CB8AC3E}">
-        <p14:creationId xmlns:p14="http://schemas.microsoft.com/office/powerpoint/2010/main" val="2229512494"/>
+        <p14:creationId xmlns:p14="http://schemas.microsoft.com/office/powerpoint/2010/main" val="3578841216"/>
       </p:ext>
     </p:extLst>
   </p:cSld>
@@ -7418,7 +7850,7 @@
           <p:cNvPr id="2" name="Title 1">
             <a:extLst>
               <a:ext uri="{FF2B5EF4-FFF2-40B4-BE49-F238E27FC236}">
-                <a16:creationId xmlns:a16="http://schemas.microsoft.com/office/drawing/2014/main" id="{A502B3FE-D3CA-421C-9053-084ECE8B0CC2}"/>
+                <a16:creationId xmlns:a16="http://schemas.microsoft.com/office/drawing/2014/main" id="{38AAEDB9-30E0-42FF-939D-4971A85D75E5}"/>
               </a:ext>
             </a:extLst>
           </p:cNvPr>
@@ -7436,7 +7868,7 @@
           <a:p>
             <a:r>
               <a:rPr lang="en-GB" dirty="0"/>
-              <a:t>Sprint Retrospective</a:t>
+              <a:t>Sprint Review</a:t>
             </a:r>
           </a:p>
         </p:txBody>
@@ -7446,7 +7878,7 @@
           <p:cNvPr id="3" name="Text Placeholder 2">
             <a:extLst>
               <a:ext uri="{FF2B5EF4-FFF2-40B4-BE49-F238E27FC236}">
-                <a16:creationId xmlns:a16="http://schemas.microsoft.com/office/drawing/2014/main" id="{8922EF52-74FB-4E0B-9CCF-9E7DCEE65104}"/>
+                <a16:creationId xmlns:a16="http://schemas.microsoft.com/office/drawing/2014/main" id="{BAD5027C-C1E5-4226-8D9D-192E631FED5A}"/>
               </a:ext>
             </a:extLst>
           </p:cNvPr>
@@ -7468,7 +7900,7 @@
                   <a:srgbClr val="00B0F0"/>
                 </a:solidFill>
               </a:rPr>
-              <a:t>What went well?</a:t>
+              <a:t>Managed to complete:</a:t>
             </a:r>
           </a:p>
         </p:txBody>
@@ -7478,7 +7910,7 @@
           <p:cNvPr id="4" name="Content Placeholder 3">
             <a:extLst>
               <a:ext uri="{FF2B5EF4-FFF2-40B4-BE49-F238E27FC236}">
-                <a16:creationId xmlns:a16="http://schemas.microsoft.com/office/drawing/2014/main" id="{1414F4BA-B895-43F2-B05D-2937D50A6CC5}"/>
+                <a16:creationId xmlns:a16="http://schemas.microsoft.com/office/drawing/2014/main" id="{95ADDBD1-E0EA-4129-A934-78D23BC9D9C3}"/>
               </a:ext>
             </a:extLst>
           </p:cNvPr>
@@ -7502,7 +7934,7 @@
                   <a:srgbClr val="00B0F0"/>
                 </a:solidFill>
               </a:rPr>
-              <a:t>Took more careful planning for overall project</a:t>
+              <a:t>Fully functional web page (able to use CRUD)</a:t>
             </a:r>
           </a:p>
           <a:p>
@@ -7512,40 +7944,32 @@
                   <a:srgbClr val="00B0F0"/>
                 </a:solidFill>
               </a:rPr>
-              <a:t>More disciplined with version control than with IMS</a:t>
-            </a:r>
-          </a:p>
-          <a:p>
+              <a:t>Controllers, services, domains for Boat and </a:t>
+            </a:r>
+            <a:r>
+              <a:rPr lang="en-GB" dirty="0" err="1">
+                <a:solidFill>
+                  <a:srgbClr val="00B0F0"/>
+                </a:solidFill>
+              </a:rPr>
+              <a:t>BoatClub</a:t>
+            </a:r>
             <a:r>
               <a:rPr lang="en-GB" dirty="0">
                 <a:solidFill>
                   <a:srgbClr val="00B0F0"/>
                 </a:solidFill>
               </a:rPr>
-              <a:t>Slightly more consistent with code style</a:t>
-            </a:r>
-          </a:p>
-          <a:p>
-            <a:r>
-              <a:rPr lang="en-GB" dirty="0">
+              <a:t> classes on </a:t>
+            </a:r>
+            <a:r>
+              <a:rPr lang="en-GB" dirty="0" err="1">
                 <a:solidFill>
                   <a:srgbClr val="00B0F0"/>
                 </a:solidFill>
               </a:rPr>
-              <a:t>Basics of Java, HTML, CSS and JavaScript were properly demonstrated</a:t>
-            </a:r>
-          </a:p>
-          <a:p>
-            <a:r>
-              <a:rPr lang="en-GB" dirty="0">
-                <a:solidFill>
-                  <a:srgbClr val="00B0F0"/>
-                </a:solidFill>
-              </a:rPr>
-              <a:t>Stuck to planned timeline for the project</a:t>
-            </a:r>
-          </a:p>
-          <a:p>
+              <a:t>SpringBoot</a:t>
+            </a:r>
             <a:endParaRPr lang="en-GB" dirty="0">
               <a:solidFill>
                 <a:srgbClr val="00B0F0"/>
@@ -7553,34 +7977,124 @@
             </a:endParaRPr>
           </a:p>
           <a:p>
+            <a:r>
+              <a:rPr lang="en-GB" dirty="0">
+                <a:solidFill>
+                  <a:srgbClr val="00B0F0"/>
+                </a:solidFill>
+              </a:rPr>
+              <a:t>Documentation (Risk assessment, ER and UML diagram)</a:t>
+            </a:r>
+          </a:p>
+          <a:p>
+            <a:r>
+              <a:rPr lang="en-GB" dirty="0">
+                <a:solidFill>
+                  <a:srgbClr val="00B0F0"/>
+                </a:solidFill>
+              </a:rPr>
+              <a:t>Mostly completed Jira board</a:t>
+            </a:r>
+          </a:p>
+          <a:p>
+            <a:r>
+              <a:rPr lang="en-GB" dirty="0">
+                <a:solidFill>
+                  <a:srgbClr val="00B0F0"/>
+                </a:solidFill>
+              </a:rPr>
+              <a:t>Selenium tests</a:t>
+            </a:r>
+          </a:p>
+          <a:p>
+            <a:r>
+              <a:rPr lang="en-GB" dirty="0">
+                <a:solidFill>
+                  <a:srgbClr val="00B0F0"/>
+                </a:solidFill>
+              </a:rPr>
+              <a:t>Fully working HTML and JS, sufficient styling using CSS</a:t>
+            </a:r>
+          </a:p>
+        </p:txBody>
+      </p:sp>
+      <p:sp>
+        <p:nvSpPr>
+          <p:cNvPr id="5" name="Text Placeholder 4">
+            <a:extLst>
+              <a:ext uri="{FF2B5EF4-FFF2-40B4-BE49-F238E27FC236}">
+                <a16:creationId xmlns:a16="http://schemas.microsoft.com/office/drawing/2014/main" id="{E90EE3F8-5791-47BA-895F-42037F2B6DF5}"/>
+              </a:ext>
+            </a:extLst>
+          </p:cNvPr>
+          <p:cNvSpPr>
+            <a:spLocks noGrp="1"/>
+          </p:cNvSpPr>
+          <p:nvPr>
+            <p:ph type="body" sz="quarter" idx="3"/>
+          </p:nvPr>
+        </p:nvSpPr>
+        <p:spPr/>
+        <p:txBody>
+          <a:bodyPr/>
+          <a:lstStyle/>
+          <a:p>
+            <a:r>
+              <a:rPr lang="en-GB" dirty="0">
+                <a:solidFill>
+                  <a:srgbClr val="00B0F0"/>
+                </a:solidFill>
+              </a:rPr>
+              <a:t>Remaining tasks:</a:t>
+            </a:r>
+          </a:p>
+        </p:txBody>
+      </p:sp>
+      <p:sp>
+        <p:nvSpPr>
+          <p:cNvPr id="6" name="Content Placeholder 5">
+            <a:extLst>
+              <a:ext uri="{FF2B5EF4-FFF2-40B4-BE49-F238E27FC236}">
+                <a16:creationId xmlns:a16="http://schemas.microsoft.com/office/drawing/2014/main" id="{8A9301E1-2D0E-4049-BC60-94942939737A}"/>
+              </a:ext>
+            </a:extLst>
+          </p:cNvPr>
+          <p:cNvSpPr>
+            <a:spLocks noGrp="1"/>
+          </p:cNvSpPr>
+          <p:nvPr>
+            <p:ph sz="quarter" idx="4"/>
+          </p:nvPr>
+        </p:nvSpPr>
+        <p:spPr/>
+        <p:txBody>
+          <a:bodyPr>
+            <a:normAutofit fontScale="92500" lnSpcReduction="10000"/>
+          </a:bodyPr>
+          <a:lstStyle/>
+          <a:p>
+            <a:r>
+              <a:rPr lang="en-GB" dirty="0">
+                <a:solidFill>
+                  <a:srgbClr val="00B0F0"/>
+                </a:solidFill>
+              </a:rPr>
+              <a:t>Fat .jar files for Selenium and </a:t>
+            </a:r>
+            <a:r>
+              <a:rPr lang="en-GB" dirty="0" err="1">
+                <a:solidFill>
+                  <a:srgbClr val="00B0F0"/>
+                </a:solidFill>
+              </a:rPr>
+              <a:t>SpringBoot</a:t>
+            </a:r>
             <a:endParaRPr lang="en-GB" dirty="0">
               <a:solidFill>
                 <a:srgbClr val="00B0F0"/>
               </a:solidFill>
             </a:endParaRPr>
           </a:p>
-        </p:txBody>
-      </p:sp>
-      <p:sp>
-        <p:nvSpPr>
-          <p:cNvPr id="5" name="Text Placeholder 4">
-            <a:extLst>
-              <a:ext uri="{FF2B5EF4-FFF2-40B4-BE49-F238E27FC236}">
-                <a16:creationId xmlns:a16="http://schemas.microsoft.com/office/drawing/2014/main" id="{4E1EB660-BE78-47DF-9044-8B5B6256FB61}"/>
-              </a:ext>
-            </a:extLst>
-          </p:cNvPr>
-          <p:cNvSpPr>
-            <a:spLocks noGrp="1"/>
-          </p:cNvSpPr>
-          <p:nvPr>
-            <p:ph type="body" sz="quarter" idx="3"/>
-          </p:nvPr>
-        </p:nvSpPr>
-        <p:spPr/>
-        <p:txBody>
-          <a:bodyPr/>
-          <a:lstStyle/>
           <a:p>
             <a:r>
               <a:rPr lang="en-GB" dirty="0">
@@ -7588,33 +8102,9 @@
                   <a:srgbClr val="00B0F0"/>
                 </a:solidFill>
               </a:rPr>
-              <a:t>What to do better next time?</a:t>
-            </a:r>
-          </a:p>
-        </p:txBody>
-      </p:sp>
-      <p:sp>
-        <p:nvSpPr>
-          <p:cNvPr id="6" name="Content Placeholder 5">
-            <a:extLst>
-              <a:ext uri="{FF2B5EF4-FFF2-40B4-BE49-F238E27FC236}">
-                <a16:creationId xmlns:a16="http://schemas.microsoft.com/office/drawing/2014/main" id="{44162BAA-41FF-4D26-8CE4-6A73DA260221}"/>
-              </a:ext>
-            </a:extLst>
-          </p:cNvPr>
-          <p:cNvSpPr>
-            <a:spLocks noGrp="1"/>
-          </p:cNvSpPr>
-          <p:nvPr>
-            <p:ph sz="quarter" idx="4"/>
-          </p:nvPr>
-        </p:nvSpPr>
-        <p:spPr/>
-        <p:txBody>
-          <a:bodyPr>
-            <a:normAutofit fontScale="92500" lnSpcReduction="10000"/>
-          </a:bodyPr>
-          <a:lstStyle/>
+              <a:t>Merging final version from dev to main branch on GitHub</a:t>
+            </a:r>
+          </a:p>
           <a:p>
             <a:r>
               <a:rPr lang="en-GB" dirty="0">
@@ -7622,17 +8112,23 @@
                   <a:srgbClr val="00B0F0"/>
                 </a:solidFill>
               </a:rPr>
-              <a:t>Could still use smart commits for Jira (heavily focused on normal commits via Git bash)</a:t>
-            </a:r>
-          </a:p>
-          <a:p>
+              <a:t>Integration tests for </a:t>
+            </a:r>
+            <a:r>
+              <a:rPr lang="en-GB" dirty="0" err="1">
+                <a:solidFill>
+                  <a:srgbClr val="00B0F0"/>
+                </a:solidFill>
+              </a:rPr>
+              <a:t>BoatController</a:t>
+            </a:r>
             <a:r>
               <a:rPr lang="en-GB" dirty="0">
                 <a:solidFill>
                   <a:srgbClr val="00B0F0"/>
                 </a:solidFill>
               </a:rPr>
-              <a:t>Avoid wasting too much time trying to debug myself. Ask trainer for help or cohort members in breakout rooms on Teams</a:t>
+              <a:t> due to problems</a:t>
             </a:r>
           </a:p>
         </p:txBody>
@@ -7640,7 +8136,7 @@
     </p:spTree>
     <p:extLst>
       <p:ext uri="{BB962C8B-B14F-4D97-AF65-F5344CB8AC3E}">
-        <p14:creationId xmlns:p14="http://schemas.microsoft.com/office/powerpoint/2010/main" val="4112237101"/>
+        <p14:creationId xmlns:p14="http://schemas.microsoft.com/office/powerpoint/2010/main" val="2229512494"/>
       </p:ext>
     </p:extLst>
   </p:cSld>
